--- a/00 PRESENTACIONES compartida alumnos/ED05 - UML Diagramas de clases.pptx
+++ b/00 PRESENTACIONES compartida alumnos/ED05 - UML Diagramas de clases.pptx
@@ -5,10 +5,10 @@
     <p:sldMasterId id="2147483686" r:id="rId1"/>
   </p:sldMasterIdLst>
   <p:notesMasterIdLst>
-    <p:notesMasterId r:id="rId26"/>
+    <p:notesMasterId r:id="rId25"/>
   </p:notesMasterIdLst>
   <p:handoutMasterIdLst>
-    <p:handoutMasterId r:id="rId27"/>
+    <p:handoutMasterId r:id="rId26"/>
   </p:handoutMasterIdLst>
   <p:sldIdLst>
     <p:sldId id="256" r:id="rId2"/>
@@ -20,35 +20,34 @@
     <p:sldId id="354" r:id="rId8"/>
     <p:sldId id="355" r:id="rId9"/>
     <p:sldId id="351" r:id="rId10"/>
-    <p:sldId id="352" r:id="rId11"/>
-    <p:sldId id="353" r:id="rId12"/>
-    <p:sldId id="361" r:id="rId13"/>
-    <p:sldId id="327" r:id="rId14"/>
-    <p:sldId id="328" r:id="rId15"/>
-    <p:sldId id="329" r:id="rId16"/>
-    <p:sldId id="330" r:id="rId17"/>
-    <p:sldId id="332" r:id="rId18"/>
-    <p:sldId id="362" r:id="rId19"/>
+    <p:sldId id="361" r:id="rId11"/>
+    <p:sldId id="327" r:id="rId12"/>
+    <p:sldId id="367" r:id="rId13"/>
+    <p:sldId id="328" r:id="rId14"/>
+    <p:sldId id="329" r:id="rId15"/>
+    <p:sldId id="330" r:id="rId16"/>
+    <p:sldId id="332" r:id="rId17"/>
+    <p:sldId id="362" r:id="rId18"/>
+    <p:sldId id="368" r:id="rId19"/>
     <p:sldId id="366" r:id="rId20"/>
     <p:sldId id="348" r:id="rId21"/>
     <p:sldId id="365" r:id="rId22"/>
-    <p:sldId id="333" r:id="rId23"/>
-    <p:sldId id="340" r:id="rId24"/>
-    <p:sldId id="302" r:id="rId25"/>
+    <p:sldId id="369" r:id="rId23"/>
+    <p:sldId id="302" r:id="rId24"/>
   </p:sldIdLst>
   <p:sldSz cx="9144000" cy="6858000" type="screen4x3"/>
   <p:notesSz cx="10234613" cy="7104063"/>
   <p:embeddedFontLst>
     <p:embeddedFont>
       <p:font typeface="Trebuchet MS" panose="020B0603020202020204" pitchFamily="34" charset="0"/>
-      <p:regular r:id="rId28"/>
-      <p:bold r:id="rId29"/>
-      <p:italic r:id="rId30"/>
-      <p:boldItalic r:id="rId31"/>
+      <p:regular r:id="rId27"/>
+      <p:bold r:id="rId28"/>
+      <p:italic r:id="rId29"/>
+      <p:boldItalic r:id="rId30"/>
     </p:embeddedFont>
     <p:embeddedFont>
       <p:font typeface="Wingdings 3" panose="05040102010807070707" pitchFamily="18" charset="2"/>
-      <p:regular r:id="rId32"/>
+      <p:regular r:id="rId31"/>
     </p:embeddedFont>
   </p:embeddedFontLst>
   <p:defaultTextStyle>
@@ -164,29 +163,27 @@
             <p14:sldId id="354"/>
             <p14:sldId id="355"/>
             <p14:sldId id="351"/>
-            <p14:sldId id="352"/>
-            <p14:sldId id="353"/>
             <p14:sldId id="361"/>
           </p14:sldIdLst>
         </p14:section>
         <p14:section name="Diagramas de clases" id="{3F1832EB-7067-408E-A7FD-A7A96844D2A7}">
           <p14:sldIdLst>
             <p14:sldId id="327"/>
+            <p14:sldId id="367"/>
             <p14:sldId id="328"/>
             <p14:sldId id="329"/>
             <p14:sldId id="330"/>
             <p14:sldId id="332"/>
             <p14:sldId id="362"/>
+            <p14:sldId id="368"/>
             <p14:sldId id="366"/>
             <p14:sldId id="348"/>
             <p14:sldId id="365"/>
+            <p14:sldId id="369"/>
           </p14:sldIdLst>
         </p14:section>
         <p14:section name="EJEMPLOS" id="{9A199C11-561C-4676-B381-AAEFF7260775}">
-          <p14:sldIdLst>
-            <p14:sldId id="333"/>
-            <p14:sldId id="340"/>
-          </p14:sldIdLst>
+          <p14:sldIdLst/>
         </p14:section>
         <p14:section name="RECURSOS" id="{5A9A2E12-7646-41F5-A12A-BD84E5FDFE69}">
           <p14:sldIdLst>
@@ -229,6 +226,14 @@
 </p:cmAuthorLst>
 </file>
 
+<file path=ppt/revisionInfo.xml><?xml version="1.0" encoding="utf-8"?>
+<p1510:revInfo xmlns:a="http://schemas.openxmlformats.org/drawingml/2006/main" xmlns:r="http://schemas.openxmlformats.org/officeDocument/2006/relationships" xmlns:p1510="http://schemas.microsoft.com/office/powerpoint/2015/10/main">
+  <p1510:revLst>
+    <p1510:client id="{89D32F01-F4EF-46F7-9100-DAE74FAD5D28}" v="15" dt="2025-07-08T16:50:21.422"/>
+  </p1510:revLst>
+</p1510:revInfo>
+</file>
+
 <file path=ppt/changesInfos/changesInfo1.xml><?xml version="1.0" encoding="utf-8"?>
 <pc:chgInfo xmlns:a="http://schemas.openxmlformats.org/drawingml/2006/main" xmlns:r="http://schemas.openxmlformats.org/officeDocument/2006/relationships" xmlns:ac="http://schemas.microsoft.com/office/drawing/2013/main/command" xmlns:pc="http://schemas.microsoft.com/office/powerpoint/2013/main/command">
   <pc:docChgLst>
@@ -244,14 +249,6 @@
           <pc:docMk/>
           <pc:sldMk cId="2044085444" sldId="327"/>
         </pc:sldMkLst>
-        <pc:spChg chg="add mod">
-          <ac:chgData name="MIGUEL TRIGUEROS MUÑOZ" userId="S::miguel.trigueros@aulaxxi.murciaeduca.es::a4ee0321-97d7-430f-98a8-7ed13ff9a4bf" providerId="AD" clId="Web-{D2D9E662-8432-1649-C4D0-BA91653A1955}" dt="2025-02-18T07:36:21.699" v="14"/>
-          <ac:spMkLst>
-            <pc:docMk/>
-            <pc:sldMk cId="2044085444" sldId="327"/>
-            <ac:spMk id="7" creationId="{FDBE2E9A-F7AE-70FA-FE83-A792F3D1190E}"/>
-          </ac:spMkLst>
-        </pc:spChg>
       </pc:sldChg>
     </pc:docChg>
   </pc:docChgLst>
@@ -928,6 +925,471 @@
     </pc:docChg>
   </pc:docChgLst>
   <pc:docChgLst>
+    <pc:chgData name="Miguel Trigueros Muñoz" userId="7753574ed83b4f98" providerId="LiveId" clId="{89D32F01-F4EF-46F7-9100-DAE74FAD5D28}"/>
+    <pc:docChg chg="undo custSel addSld delSld modSld modSection">
+      <pc:chgData name="Miguel Trigueros Muñoz" userId="7753574ed83b4f98" providerId="LiveId" clId="{89D32F01-F4EF-46F7-9100-DAE74FAD5D28}" dt="2025-07-08T16:51:19.533" v="1050" actId="20577"/>
+      <pc:docMkLst>
+        <pc:docMk/>
+      </pc:docMkLst>
+      <pc:sldChg chg="delSp modSp mod">
+        <pc:chgData name="Miguel Trigueros Muñoz" userId="7753574ed83b4f98" providerId="LiveId" clId="{89D32F01-F4EF-46F7-9100-DAE74FAD5D28}" dt="2025-07-08T15:40:52.303" v="842" actId="14100"/>
+        <pc:sldMkLst>
+          <pc:docMk/>
+          <pc:sldMk cId="308865771" sldId="256"/>
+        </pc:sldMkLst>
+        <pc:spChg chg="mod">
+          <ac:chgData name="Miguel Trigueros Muñoz" userId="7753574ed83b4f98" providerId="LiveId" clId="{89D32F01-F4EF-46F7-9100-DAE74FAD5D28}" dt="2025-06-25T18:30:18.534" v="3" actId="20577"/>
+          <ac:spMkLst>
+            <pc:docMk/>
+            <pc:sldMk cId="308865771" sldId="256"/>
+            <ac:spMk id="2" creationId="{BB6B5ACD-B995-716B-F5F7-1C14289F141D}"/>
+          </ac:spMkLst>
+        </pc:spChg>
+        <pc:spChg chg="mod">
+          <ac:chgData name="Miguel Trigueros Muñoz" userId="7753574ed83b4f98" providerId="LiveId" clId="{89D32F01-F4EF-46F7-9100-DAE74FAD5D28}" dt="2025-06-25T18:31:42.045" v="49" actId="1076"/>
+          <ac:spMkLst>
+            <pc:docMk/>
+            <pc:sldMk cId="308865771" sldId="256"/>
+            <ac:spMk id="9" creationId="{163AF1D7-99DA-EAC5-BC03-9B1BE7C81353}"/>
+          </ac:spMkLst>
+        </pc:spChg>
+        <pc:picChg chg="mod">
+          <ac:chgData name="Miguel Trigueros Muñoz" userId="7753574ed83b4f98" providerId="LiveId" clId="{89D32F01-F4EF-46F7-9100-DAE74FAD5D28}" dt="2025-07-08T15:40:52.303" v="842" actId="14100"/>
+          <ac:picMkLst>
+            <pc:docMk/>
+            <pc:sldMk cId="308865771" sldId="256"/>
+            <ac:picMk id="14" creationId="{ADF63C5B-BE0F-E937-B8B1-A9FA65EE0157}"/>
+          </ac:picMkLst>
+        </pc:picChg>
+      </pc:sldChg>
+      <pc:sldChg chg="modSp mod">
+        <pc:chgData name="Miguel Trigueros Muñoz" userId="7753574ed83b4f98" providerId="LiveId" clId="{89D32F01-F4EF-46F7-9100-DAE74FAD5D28}" dt="2025-06-25T18:32:03.317" v="50" actId="33524"/>
+        <pc:sldMkLst>
+          <pc:docMk/>
+          <pc:sldMk cId="745458148" sldId="314"/>
+        </pc:sldMkLst>
+        <pc:spChg chg="mod">
+          <ac:chgData name="Miguel Trigueros Muñoz" userId="7753574ed83b4f98" providerId="LiveId" clId="{89D32F01-F4EF-46F7-9100-DAE74FAD5D28}" dt="2025-06-25T18:32:03.317" v="50" actId="33524"/>
+          <ac:spMkLst>
+            <pc:docMk/>
+            <pc:sldMk cId="745458148" sldId="314"/>
+            <ac:spMk id="5" creationId="{B6810F6F-DB2A-ED7D-6A72-27AB303FFA23}"/>
+          </ac:spMkLst>
+        </pc:spChg>
+      </pc:sldChg>
+      <pc:sldChg chg="delSp modSp mod">
+        <pc:chgData name="Miguel Trigueros Muñoz" userId="7753574ed83b4f98" providerId="LiveId" clId="{89D32F01-F4EF-46F7-9100-DAE74FAD5D28}" dt="2025-06-26T16:19:32.140" v="826" actId="313"/>
+        <pc:sldMkLst>
+          <pc:docMk/>
+          <pc:sldMk cId="2044085444" sldId="327"/>
+        </pc:sldMkLst>
+        <pc:spChg chg="mod">
+          <ac:chgData name="Miguel Trigueros Muñoz" userId="7753574ed83b4f98" providerId="LiveId" clId="{89D32F01-F4EF-46F7-9100-DAE74FAD5D28}" dt="2025-06-26T16:19:32.140" v="826" actId="313"/>
+          <ac:spMkLst>
+            <pc:docMk/>
+            <pc:sldMk cId="2044085444" sldId="327"/>
+            <ac:spMk id="2" creationId="{252707BB-B390-514F-F117-3F51A96C85CC}"/>
+          </ac:spMkLst>
+        </pc:spChg>
+      </pc:sldChg>
+      <pc:sldChg chg="modSp mod modNotesTx">
+        <pc:chgData name="Miguel Trigueros Muñoz" userId="7753574ed83b4f98" providerId="LiveId" clId="{89D32F01-F4EF-46F7-9100-DAE74FAD5D28}" dt="2025-06-26T16:19:34.157" v="828" actId="313"/>
+        <pc:sldMkLst>
+          <pc:docMk/>
+          <pc:sldMk cId="155112023" sldId="328"/>
+        </pc:sldMkLst>
+        <pc:spChg chg="mod">
+          <ac:chgData name="Miguel Trigueros Muñoz" userId="7753574ed83b4f98" providerId="LiveId" clId="{89D32F01-F4EF-46F7-9100-DAE74FAD5D28}" dt="2025-06-26T16:19:34.157" v="828" actId="313"/>
+          <ac:spMkLst>
+            <pc:docMk/>
+            <pc:sldMk cId="155112023" sldId="328"/>
+            <ac:spMk id="2" creationId="{252707BB-B390-514F-F117-3F51A96C85CC}"/>
+          </ac:spMkLst>
+        </pc:spChg>
+      </pc:sldChg>
+      <pc:sldChg chg="modSp mod modNotesTx">
+        <pc:chgData name="Miguel Trigueros Muñoz" userId="7753574ed83b4f98" providerId="LiveId" clId="{89D32F01-F4EF-46F7-9100-DAE74FAD5D28}" dt="2025-06-26T16:19:35.017" v="829" actId="313"/>
+        <pc:sldMkLst>
+          <pc:docMk/>
+          <pc:sldMk cId="1498135890" sldId="329"/>
+        </pc:sldMkLst>
+        <pc:spChg chg="mod">
+          <ac:chgData name="Miguel Trigueros Muñoz" userId="7753574ed83b4f98" providerId="LiveId" clId="{89D32F01-F4EF-46F7-9100-DAE74FAD5D28}" dt="2025-06-26T16:19:35.017" v="829" actId="313"/>
+          <ac:spMkLst>
+            <pc:docMk/>
+            <pc:sldMk cId="1498135890" sldId="329"/>
+            <ac:spMk id="2" creationId="{252707BB-B390-514F-F117-3F51A96C85CC}"/>
+          </ac:spMkLst>
+        </pc:spChg>
+      </pc:sldChg>
+      <pc:sldChg chg="modSp mod modNotesTx">
+        <pc:chgData name="Miguel Trigueros Muñoz" userId="7753574ed83b4f98" providerId="LiveId" clId="{89D32F01-F4EF-46F7-9100-DAE74FAD5D28}" dt="2025-06-26T16:19:35.516" v="830" actId="313"/>
+        <pc:sldMkLst>
+          <pc:docMk/>
+          <pc:sldMk cId="385184565" sldId="330"/>
+        </pc:sldMkLst>
+        <pc:spChg chg="mod">
+          <ac:chgData name="Miguel Trigueros Muñoz" userId="7753574ed83b4f98" providerId="LiveId" clId="{89D32F01-F4EF-46F7-9100-DAE74FAD5D28}" dt="2025-06-26T16:19:35.516" v="830" actId="313"/>
+          <ac:spMkLst>
+            <pc:docMk/>
+            <pc:sldMk cId="385184565" sldId="330"/>
+            <ac:spMk id="2" creationId="{252707BB-B390-514F-F117-3F51A96C85CC}"/>
+          </ac:spMkLst>
+        </pc:spChg>
+      </pc:sldChg>
+      <pc:sldChg chg="modSp mod modNotesTx">
+        <pc:chgData name="Miguel Trigueros Muñoz" userId="7753574ed83b4f98" providerId="LiveId" clId="{89D32F01-F4EF-46F7-9100-DAE74FAD5D28}" dt="2025-06-26T16:19:35.965" v="831" actId="313"/>
+        <pc:sldMkLst>
+          <pc:docMk/>
+          <pc:sldMk cId="3659872342" sldId="332"/>
+        </pc:sldMkLst>
+        <pc:spChg chg="mod">
+          <ac:chgData name="Miguel Trigueros Muñoz" userId="7753574ed83b4f98" providerId="LiveId" clId="{89D32F01-F4EF-46F7-9100-DAE74FAD5D28}" dt="2025-06-26T16:19:35.965" v="831" actId="313"/>
+          <ac:spMkLst>
+            <pc:docMk/>
+            <pc:sldMk cId="3659872342" sldId="332"/>
+            <ac:spMk id="2" creationId="{252707BB-B390-514F-F117-3F51A96C85CC}"/>
+          </ac:spMkLst>
+        </pc:spChg>
+      </pc:sldChg>
+      <pc:sldChg chg="modSp del mod">
+        <pc:chgData name="Miguel Trigueros Muñoz" userId="7753574ed83b4f98" providerId="LiveId" clId="{89D32F01-F4EF-46F7-9100-DAE74FAD5D28}" dt="2025-07-08T16:12:10.439" v="957" actId="2696"/>
+        <pc:sldMkLst>
+          <pc:docMk/>
+          <pc:sldMk cId="952270227" sldId="333"/>
+        </pc:sldMkLst>
+      </pc:sldChg>
+      <pc:sldChg chg="modSp del mod">
+        <pc:chgData name="Miguel Trigueros Muñoz" userId="7753574ed83b4f98" providerId="LiveId" clId="{89D32F01-F4EF-46F7-9100-DAE74FAD5D28}" dt="2025-07-08T16:12:06.846" v="956" actId="2696"/>
+        <pc:sldMkLst>
+          <pc:docMk/>
+          <pc:sldMk cId="520146235" sldId="340"/>
+        </pc:sldMkLst>
+      </pc:sldChg>
+      <pc:sldChg chg="modSp mod modNotesTx">
+        <pc:chgData name="Miguel Trigueros Muñoz" userId="7753574ed83b4f98" providerId="LiveId" clId="{89D32F01-F4EF-46F7-9100-DAE74FAD5D28}" dt="2025-07-08T15:41:44.014" v="848" actId="1076"/>
+        <pc:sldMkLst>
+          <pc:docMk/>
+          <pc:sldMk cId="1536049848" sldId="347"/>
+        </pc:sldMkLst>
+        <pc:picChg chg="mod">
+          <ac:chgData name="Miguel Trigueros Muñoz" userId="7753574ed83b4f98" providerId="LiveId" clId="{89D32F01-F4EF-46F7-9100-DAE74FAD5D28}" dt="2025-07-08T15:41:04.604" v="843" actId="1076"/>
+          <ac:picMkLst>
+            <pc:docMk/>
+            <pc:sldMk cId="1536049848" sldId="347"/>
+            <ac:picMk id="8" creationId="{9CAB4FD1-2285-8E75-9E33-7ACBB3CE531B}"/>
+          </ac:picMkLst>
+        </pc:picChg>
+        <pc:picChg chg="mod">
+          <ac:chgData name="Miguel Trigueros Muñoz" userId="7753574ed83b4f98" providerId="LiveId" clId="{89D32F01-F4EF-46F7-9100-DAE74FAD5D28}" dt="2025-07-08T15:41:44.014" v="848" actId="1076"/>
+          <ac:picMkLst>
+            <pc:docMk/>
+            <pc:sldMk cId="1536049848" sldId="347"/>
+            <ac:picMk id="11" creationId="{E36E1281-15EF-206A-0466-18B42DDF2636}"/>
+          </ac:picMkLst>
+        </pc:picChg>
+      </pc:sldChg>
+      <pc:sldChg chg="modSp mod">
+        <pc:chgData name="Miguel Trigueros Muñoz" userId="7753574ed83b4f98" providerId="LiveId" clId="{89D32F01-F4EF-46F7-9100-DAE74FAD5D28}" dt="2025-06-26T16:19:38.659" v="835" actId="313"/>
+        <pc:sldMkLst>
+          <pc:docMk/>
+          <pc:sldMk cId="2896794478" sldId="348"/>
+        </pc:sldMkLst>
+        <pc:spChg chg="mod">
+          <ac:chgData name="Miguel Trigueros Muñoz" userId="7753574ed83b4f98" providerId="LiveId" clId="{89D32F01-F4EF-46F7-9100-DAE74FAD5D28}" dt="2025-06-26T16:19:38.659" v="835" actId="313"/>
+          <ac:spMkLst>
+            <pc:docMk/>
+            <pc:sldMk cId="2896794478" sldId="348"/>
+            <ac:spMk id="2" creationId="{8C4ABA96-93B4-5474-A900-BB0A6B344535}"/>
+          </ac:spMkLst>
+        </pc:spChg>
+      </pc:sldChg>
+      <pc:sldChg chg="addSp modSp mod modNotesTx">
+        <pc:chgData name="Miguel Trigueros Muñoz" userId="7753574ed83b4f98" providerId="LiveId" clId="{89D32F01-F4EF-46F7-9100-DAE74FAD5D28}" dt="2025-06-26T15:35:08.795" v="427" actId="20577"/>
+        <pc:sldMkLst>
+          <pc:docMk/>
+          <pc:sldMk cId="75957562" sldId="350"/>
+        </pc:sldMkLst>
+        <pc:spChg chg="mod">
+          <ac:chgData name="Miguel Trigueros Muñoz" userId="7753574ed83b4f98" providerId="LiveId" clId="{89D32F01-F4EF-46F7-9100-DAE74FAD5D28}" dt="2025-06-26T15:33:40.049" v="263" actId="207"/>
+          <ac:spMkLst>
+            <pc:docMk/>
+            <pc:sldMk cId="75957562" sldId="350"/>
+            <ac:spMk id="3" creationId="{C73DADBF-3FE8-E3AA-5846-D7251D95774F}"/>
+          </ac:spMkLst>
+        </pc:spChg>
+        <pc:spChg chg="add mod">
+          <ac:chgData name="Miguel Trigueros Muñoz" userId="7753574ed83b4f98" providerId="LiveId" clId="{89D32F01-F4EF-46F7-9100-DAE74FAD5D28}" dt="2025-06-26T15:34:15.906" v="284" actId="20577"/>
+          <ac:spMkLst>
+            <pc:docMk/>
+            <pc:sldMk cId="75957562" sldId="350"/>
+            <ac:spMk id="5" creationId="{66530EB5-9F4B-2769-FD30-EB82D7599CB6}"/>
+          </ac:spMkLst>
+        </pc:spChg>
+      </pc:sldChg>
+      <pc:sldChg chg="addSp delSp modSp mod">
+        <pc:chgData name="Miguel Trigueros Muñoz" userId="7753574ed83b4f98" providerId="LiveId" clId="{89D32F01-F4EF-46F7-9100-DAE74FAD5D28}" dt="2025-07-08T16:37:02.665" v="1009" actId="1076"/>
+        <pc:sldMkLst>
+          <pc:docMk/>
+          <pc:sldMk cId="1962823157" sldId="351"/>
+        </pc:sldMkLst>
+        <pc:spChg chg="mod">
+          <ac:chgData name="Miguel Trigueros Muñoz" userId="7753574ed83b4f98" providerId="LiveId" clId="{89D32F01-F4EF-46F7-9100-DAE74FAD5D28}" dt="2025-07-08T15:44:43.470" v="853" actId="6549"/>
+          <ac:spMkLst>
+            <pc:docMk/>
+            <pc:sldMk cId="1962823157" sldId="351"/>
+            <ac:spMk id="3" creationId="{FC54803E-848B-CABB-316C-BF66325F9DF1}"/>
+          </ac:spMkLst>
+        </pc:spChg>
+        <pc:picChg chg="del mod">
+          <ac:chgData name="Miguel Trigueros Muñoz" userId="7753574ed83b4f98" providerId="LiveId" clId="{89D32F01-F4EF-46F7-9100-DAE74FAD5D28}" dt="2025-07-08T16:35:19.271" v="993" actId="478"/>
+          <ac:picMkLst>
+            <pc:docMk/>
+            <pc:sldMk cId="1962823157" sldId="351"/>
+            <ac:picMk id="5" creationId="{92ECFCBB-E4F7-5DA9-A347-8F48546DC6EB}"/>
+          </ac:picMkLst>
+        </pc:picChg>
+        <pc:picChg chg="add del mod modCrop">
+          <ac:chgData name="Miguel Trigueros Muñoz" userId="7753574ed83b4f98" providerId="LiveId" clId="{89D32F01-F4EF-46F7-9100-DAE74FAD5D28}" dt="2025-07-08T16:36:44.530" v="1001" actId="478"/>
+          <ac:picMkLst>
+            <pc:docMk/>
+            <pc:sldMk cId="1962823157" sldId="351"/>
+            <ac:picMk id="7" creationId="{0BCFDCF7-610B-DC90-B7A6-20381CA91CF3}"/>
+          </ac:picMkLst>
+        </pc:picChg>
+        <pc:picChg chg="add mod modCrop">
+          <ac:chgData name="Miguel Trigueros Muñoz" userId="7753574ed83b4f98" providerId="LiveId" clId="{89D32F01-F4EF-46F7-9100-DAE74FAD5D28}" dt="2025-07-08T16:37:02.665" v="1009" actId="1076"/>
+          <ac:picMkLst>
+            <pc:docMk/>
+            <pc:sldMk cId="1962823157" sldId="351"/>
+            <ac:picMk id="9" creationId="{78F524DD-91CD-B3B0-18CA-7DD1CE38762C}"/>
+          </ac:picMkLst>
+        </pc:picChg>
+      </pc:sldChg>
+      <pc:sldChg chg="delSp del">
+        <pc:chgData name="Miguel Trigueros Muñoz" userId="7753574ed83b4f98" providerId="LiveId" clId="{89D32F01-F4EF-46F7-9100-DAE74FAD5D28}" dt="2025-07-08T15:44:52.784" v="857" actId="2696"/>
+        <pc:sldMkLst>
+          <pc:docMk/>
+          <pc:sldMk cId="3809256849" sldId="352"/>
+        </pc:sldMkLst>
+        <pc:picChg chg="del">
+          <ac:chgData name="Miguel Trigueros Muñoz" userId="7753574ed83b4f98" providerId="LiveId" clId="{89D32F01-F4EF-46F7-9100-DAE74FAD5D28}" dt="2025-07-08T15:44:48.806" v="856" actId="478"/>
+          <ac:picMkLst>
+            <pc:docMk/>
+            <pc:sldMk cId="3809256849" sldId="352"/>
+            <ac:picMk id="1026" creationId="{665347D5-5306-D575-4EEA-0DE35140C3B3}"/>
+          </ac:picMkLst>
+        </pc:picChg>
+      </pc:sldChg>
+      <pc:sldChg chg="del">
+        <pc:chgData name="Miguel Trigueros Muñoz" userId="7753574ed83b4f98" providerId="LiveId" clId="{89D32F01-F4EF-46F7-9100-DAE74FAD5D28}" dt="2025-07-08T15:44:56.442" v="858" actId="2696"/>
+        <pc:sldMkLst>
+          <pc:docMk/>
+          <pc:sldMk cId="3325289584" sldId="353"/>
+        </pc:sldMkLst>
+      </pc:sldChg>
+      <pc:sldChg chg="modSp mod">
+        <pc:chgData name="Miguel Trigueros Muñoz" userId="7753574ed83b4f98" providerId="LiveId" clId="{89D32F01-F4EF-46F7-9100-DAE74FAD5D28}" dt="2025-07-08T15:42:34.593" v="850" actId="6549"/>
+        <pc:sldMkLst>
+          <pc:docMk/>
+          <pc:sldMk cId="2503801394" sldId="354"/>
+        </pc:sldMkLst>
+        <pc:spChg chg="mod">
+          <ac:chgData name="Miguel Trigueros Muñoz" userId="7753574ed83b4f98" providerId="LiveId" clId="{89D32F01-F4EF-46F7-9100-DAE74FAD5D28}" dt="2025-07-08T15:42:34.593" v="850" actId="6549"/>
+          <ac:spMkLst>
+            <pc:docMk/>
+            <pc:sldMk cId="2503801394" sldId="354"/>
+            <ac:spMk id="3" creationId="{B3284DEF-C7AB-674E-B8F2-E0234B1CA241}"/>
+          </ac:spMkLst>
+        </pc:spChg>
+        <pc:picChg chg="mod">
+          <ac:chgData name="Miguel Trigueros Muñoz" userId="7753574ed83b4f98" providerId="LiveId" clId="{89D32F01-F4EF-46F7-9100-DAE74FAD5D28}" dt="2025-07-08T15:42:28.021" v="849" actId="1076"/>
+          <ac:picMkLst>
+            <pc:docMk/>
+            <pc:sldMk cId="2503801394" sldId="354"/>
+            <ac:picMk id="3074" creationId="{630CEB0B-C961-C84F-B0BD-4371460C7DBE}"/>
+          </ac:picMkLst>
+        </pc:picChg>
+      </pc:sldChg>
+      <pc:sldChg chg="addSp delSp modSp mod">
+        <pc:chgData name="Miguel Trigueros Muñoz" userId="7753574ed83b4f98" providerId="LiveId" clId="{89D32F01-F4EF-46F7-9100-DAE74FAD5D28}" dt="2025-07-08T16:16:59.080" v="965" actId="1076"/>
+        <pc:sldMkLst>
+          <pc:docMk/>
+          <pc:sldMk cId="2618476077" sldId="355"/>
+        </pc:sldMkLst>
+        <pc:spChg chg="mod">
+          <ac:chgData name="Miguel Trigueros Muñoz" userId="7753574ed83b4f98" providerId="LiveId" clId="{89D32F01-F4EF-46F7-9100-DAE74FAD5D28}" dt="2025-07-08T15:44:39.555" v="852" actId="6549"/>
+          <ac:spMkLst>
+            <pc:docMk/>
+            <pc:sldMk cId="2618476077" sldId="355"/>
+            <ac:spMk id="3" creationId="{BCE9D3CB-8C9C-C893-332F-DDE223000B91}"/>
+          </ac:spMkLst>
+        </pc:spChg>
+        <pc:picChg chg="add mod">
+          <ac:chgData name="Miguel Trigueros Muñoz" userId="7753574ed83b4f98" providerId="LiveId" clId="{89D32F01-F4EF-46F7-9100-DAE74FAD5D28}" dt="2025-07-08T16:16:59.080" v="965" actId="1076"/>
+          <ac:picMkLst>
+            <pc:docMk/>
+            <pc:sldMk cId="2618476077" sldId="355"/>
+            <ac:picMk id="6" creationId="{BC48168D-19D3-0167-110A-D2C84DC4ECA0}"/>
+          </ac:picMkLst>
+        </pc:picChg>
+        <pc:picChg chg="del mod">
+          <ac:chgData name="Miguel Trigueros Muñoz" userId="7753574ed83b4f98" providerId="LiveId" clId="{89D32F01-F4EF-46F7-9100-DAE74FAD5D28}" dt="2025-07-08T16:16:48.255" v="958" actId="478"/>
+          <ac:picMkLst>
+            <pc:docMk/>
+            <pc:sldMk cId="2618476077" sldId="355"/>
+            <ac:picMk id="4098" creationId="{1C3AC2C8-FE98-F785-BAF8-5F99083EB9DC}"/>
+          </ac:picMkLst>
+        </pc:picChg>
+      </pc:sldChg>
+      <pc:sldChg chg="modSp mod">
+        <pc:chgData name="Miguel Trigueros Muñoz" userId="7753574ed83b4f98" providerId="LiveId" clId="{89D32F01-F4EF-46F7-9100-DAE74FAD5D28}" dt="2025-06-26T16:19:36.435" v="832" actId="313"/>
+        <pc:sldMkLst>
+          <pc:docMk/>
+          <pc:sldMk cId="557761139" sldId="362"/>
+        </pc:sldMkLst>
+        <pc:spChg chg="mod">
+          <ac:chgData name="Miguel Trigueros Muñoz" userId="7753574ed83b4f98" providerId="LiveId" clId="{89D32F01-F4EF-46F7-9100-DAE74FAD5D28}" dt="2025-06-26T16:19:36.435" v="832" actId="313"/>
+          <ac:spMkLst>
+            <pc:docMk/>
+            <pc:sldMk cId="557761139" sldId="362"/>
+            <ac:spMk id="2" creationId="{7AF05BDB-9640-3FA7-1745-A55A0494CB77}"/>
+          </ac:spMkLst>
+        </pc:spChg>
+      </pc:sldChg>
+      <pc:sldChg chg="modSp mod">
+        <pc:chgData name="Miguel Trigueros Muñoz" userId="7753574ed83b4f98" providerId="LiveId" clId="{89D32F01-F4EF-46F7-9100-DAE74FAD5D28}" dt="2025-07-08T15:41:32.714" v="847" actId="1076"/>
+        <pc:sldMkLst>
+          <pc:docMk/>
+          <pc:sldMk cId="941241975" sldId="364"/>
+        </pc:sldMkLst>
+        <pc:picChg chg="mod">
+          <ac:chgData name="Miguel Trigueros Muñoz" userId="7753574ed83b4f98" providerId="LiveId" clId="{89D32F01-F4EF-46F7-9100-DAE74FAD5D28}" dt="2025-07-08T15:41:27.015" v="846" actId="1076"/>
+          <ac:picMkLst>
+            <pc:docMk/>
+            <pc:sldMk cId="941241975" sldId="364"/>
+            <ac:picMk id="8" creationId="{3B44E0D2-D516-AB17-D083-F95DD910935E}"/>
+          </ac:picMkLst>
+        </pc:picChg>
+        <pc:picChg chg="mod">
+          <ac:chgData name="Miguel Trigueros Muñoz" userId="7753574ed83b4f98" providerId="LiveId" clId="{89D32F01-F4EF-46F7-9100-DAE74FAD5D28}" dt="2025-07-08T15:41:32.714" v="847" actId="1076"/>
+          <ac:picMkLst>
+            <pc:docMk/>
+            <pc:sldMk cId="941241975" sldId="364"/>
+            <ac:picMk id="11" creationId="{59D4B801-FD3B-F2BF-59B5-E031CDB3E3BC}"/>
+          </ac:picMkLst>
+        </pc:picChg>
+      </pc:sldChg>
+      <pc:sldChg chg="modSp mod">
+        <pc:chgData name="Miguel Trigueros Muñoz" userId="7753574ed83b4f98" providerId="LiveId" clId="{89D32F01-F4EF-46F7-9100-DAE74FAD5D28}" dt="2025-06-26T16:19:39.588" v="836" actId="313"/>
+        <pc:sldMkLst>
+          <pc:docMk/>
+          <pc:sldMk cId="3422367261" sldId="365"/>
+        </pc:sldMkLst>
+        <pc:spChg chg="mod">
+          <ac:chgData name="Miguel Trigueros Muñoz" userId="7753574ed83b4f98" providerId="LiveId" clId="{89D32F01-F4EF-46F7-9100-DAE74FAD5D28}" dt="2025-06-26T16:19:39.588" v="836" actId="313"/>
+          <ac:spMkLst>
+            <pc:docMk/>
+            <pc:sldMk cId="3422367261" sldId="365"/>
+            <ac:spMk id="2" creationId="{0F95D9BF-2CF4-CACF-7AEE-2257411BFAA5}"/>
+          </ac:spMkLst>
+        </pc:spChg>
+      </pc:sldChg>
+      <pc:sldChg chg="modSp mod">
+        <pc:chgData name="Miguel Trigueros Muñoz" userId="7753574ed83b4f98" providerId="LiveId" clId="{89D32F01-F4EF-46F7-9100-DAE74FAD5D28}" dt="2025-06-26T16:19:37.969" v="834" actId="313"/>
+        <pc:sldMkLst>
+          <pc:docMk/>
+          <pc:sldMk cId="1115552724" sldId="366"/>
+        </pc:sldMkLst>
+        <pc:spChg chg="mod">
+          <ac:chgData name="Miguel Trigueros Muñoz" userId="7753574ed83b4f98" providerId="LiveId" clId="{89D32F01-F4EF-46F7-9100-DAE74FAD5D28}" dt="2025-06-26T16:19:37.969" v="834" actId="313"/>
+          <ac:spMkLst>
+            <pc:docMk/>
+            <pc:sldMk cId="1115552724" sldId="366"/>
+            <ac:spMk id="2" creationId="{57F59E39-D913-6AA3-D797-1985C1E6E793}"/>
+          </ac:spMkLst>
+        </pc:spChg>
+      </pc:sldChg>
+      <pc:sldChg chg="addSp delSp modSp add mod modClrScheme chgLayout modNotesTx">
+        <pc:chgData name="Miguel Trigueros Muñoz" userId="7753574ed83b4f98" providerId="LiveId" clId="{89D32F01-F4EF-46F7-9100-DAE74FAD5D28}" dt="2025-07-08T16:50:25.530" v="1016" actId="14100"/>
+        <pc:sldMkLst>
+          <pc:docMk/>
+          <pc:sldMk cId="692600546" sldId="367"/>
+        </pc:sldMkLst>
+        <pc:spChg chg="mod ord">
+          <ac:chgData name="Miguel Trigueros Muñoz" userId="7753574ed83b4f98" providerId="LiveId" clId="{89D32F01-F4EF-46F7-9100-DAE74FAD5D28}" dt="2025-06-26T16:19:33.417" v="827" actId="313"/>
+          <ac:spMkLst>
+            <pc:docMk/>
+            <pc:sldMk cId="692600546" sldId="367"/>
+            <ac:spMk id="2" creationId="{A470792D-9AB3-0D96-3133-F32280B9759B}"/>
+          </ac:spMkLst>
+        </pc:spChg>
+        <pc:spChg chg="mod ord">
+          <ac:chgData name="Miguel Trigueros Muñoz" userId="7753574ed83b4f98" providerId="LiveId" clId="{89D32F01-F4EF-46F7-9100-DAE74FAD5D28}" dt="2025-06-26T16:14:49.404" v="634" actId="700"/>
+          <ac:spMkLst>
+            <pc:docMk/>
+            <pc:sldMk cId="692600546" sldId="367"/>
+            <ac:spMk id="4" creationId="{45F1485F-C814-3E28-1E63-4515F2490BF6}"/>
+          </ac:spMkLst>
+        </pc:spChg>
+        <pc:spChg chg="add mod">
+          <ac:chgData name="Miguel Trigueros Muñoz" userId="7753574ed83b4f98" providerId="LiveId" clId="{89D32F01-F4EF-46F7-9100-DAE74FAD5D28}" dt="2025-07-08T16:50:25.530" v="1016" actId="14100"/>
+          <ac:spMkLst>
+            <pc:docMk/>
+            <pc:sldMk cId="692600546" sldId="367"/>
+            <ac:spMk id="9" creationId="{6E43A624-A297-B505-0E9E-A974120BB173}"/>
+          </ac:spMkLst>
+        </pc:spChg>
+      </pc:sldChg>
+      <pc:sldChg chg="modSp add mod modNotesTx">
+        <pc:chgData name="Miguel Trigueros Muñoz" userId="7753574ed83b4f98" providerId="LiveId" clId="{89D32F01-F4EF-46F7-9100-DAE74FAD5D28}" dt="2025-07-08T16:10:46.472" v="953" actId="20577"/>
+        <pc:sldMkLst>
+          <pc:docMk/>
+          <pc:sldMk cId="3099558668" sldId="368"/>
+        </pc:sldMkLst>
+        <pc:spChg chg="mod">
+          <ac:chgData name="Miguel Trigueros Muñoz" userId="7753574ed83b4f98" providerId="LiveId" clId="{89D32F01-F4EF-46F7-9100-DAE74FAD5D28}" dt="2025-06-26T16:19:37.311" v="833" actId="313"/>
+          <ac:spMkLst>
+            <pc:docMk/>
+            <pc:sldMk cId="3099558668" sldId="368"/>
+            <ac:spMk id="2" creationId="{BB537EC2-557B-28C1-B9F0-D130A133E8B3}"/>
+          </ac:spMkLst>
+        </pc:spChg>
+        <pc:spChg chg="mod">
+          <ac:chgData name="Miguel Trigueros Muñoz" userId="7753574ed83b4f98" providerId="LiveId" clId="{89D32F01-F4EF-46F7-9100-DAE74FAD5D28}" dt="2025-07-08T16:10:46.472" v="953" actId="20577"/>
+          <ac:spMkLst>
+            <pc:docMk/>
+            <pc:sldMk cId="3099558668" sldId="368"/>
+            <ac:spMk id="9" creationId="{8B008C99-BD9D-DA57-86F0-312B64509D53}"/>
+          </ac:spMkLst>
+        </pc:spChg>
+      </pc:sldChg>
+      <pc:sldChg chg="modSp add mod modNotesTx">
+        <pc:chgData name="Miguel Trigueros Muñoz" userId="7753574ed83b4f98" providerId="LiveId" clId="{89D32F01-F4EF-46F7-9100-DAE74FAD5D28}" dt="2025-07-08T16:51:19.533" v="1050" actId="20577"/>
+        <pc:sldMkLst>
+          <pc:docMk/>
+          <pc:sldMk cId="251016839" sldId="369"/>
+        </pc:sldMkLst>
+        <pc:spChg chg="mod">
+          <ac:chgData name="Miguel Trigueros Muñoz" userId="7753574ed83b4f98" providerId="LiveId" clId="{89D32F01-F4EF-46F7-9100-DAE74FAD5D28}" dt="2025-06-26T16:19:40.515" v="837" actId="313"/>
+          <ac:spMkLst>
+            <pc:docMk/>
+            <pc:sldMk cId="251016839" sldId="369"/>
+            <ac:spMk id="2" creationId="{93F1F961-4539-ACB7-6CAB-37F1362A19EE}"/>
+          </ac:spMkLst>
+        </pc:spChg>
+        <pc:spChg chg="mod">
+          <ac:chgData name="Miguel Trigueros Muñoz" userId="7753574ed83b4f98" providerId="LiveId" clId="{89D32F01-F4EF-46F7-9100-DAE74FAD5D28}" dt="2025-07-08T16:51:19.533" v="1050" actId="20577"/>
+          <ac:spMkLst>
+            <pc:docMk/>
+            <pc:sldMk cId="251016839" sldId="369"/>
+            <ac:spMk id="9" creationId="{9558548F-108C-0879-016E-2C6F9565BEF8}"/>
+          </ac:spMkLst>
+        </pc:spChg>
+      </pc:sldChg>
+    </pc:docChg>
+  </pc:docChgLst>
+  <pc:docChgLst>
     <pc:chgData name="MIGUEL TRIGUEROS MUÑOZ" userId="a4ee0321-97d7-430f-98a8-7ed13ff9a4bf" providerId="ADAL" clId="{79DF4C0E-7ECC-44F1-BA58-C10C01064493}"/>
     <pc:docChg chg="undo custSel addSld delSld modSld modMainMaster modSection">
       <pc:chgData name="MIGUEL TRIGUEROS MUÑOZ" userId="a4ee0321-97d7-430f-98a8-7ed13ff9a4bf" providerId="ADAL" clId="{79DF4C0E-7ECC-44F1-BA58-C10C01064493}" dt="2025-03-03T12:26:44.312" v="589" actId="20577"/>
@@ -940,14 +1402,6 @@
           <pc:docMk/>
           <pc:sldMk cId="308865771" sldId="256"/>
         </pc:sldMkLst>
-        <pc:spChg chg="mod">
-          <ac:chgData name="MIGUEL TRIGUEROS MUÑOZ" userId="a4ee0321-97d7-430f-98a8-7ed13ff9a4bf" providerId="ADAL" clId="{79DF4C0E-7ECC-44F1-BA58-C10C01064493}" dt="2025-02-06T19:19:29.793" v="11" actId="20577"/>
-          <ac:spMkLst>
-            <pc:docMk/>
-            <pc:sldMk cId="308865771" sldId="256"/>
-            <ac:spMk id="2" creationId="{BB6B5ACD-B995-716B-F5F7-1C14289F141D}"/>
-          </ac:spMkLst>
-        </pc:spChg>
       </pc:sldChg>
       <pc:sldChg chg="modSp mod">
         <pc:chgData name="MIGUEL TRIGUEROS MUÑOZ" userId="a4ee0321-97d7-430f-98a8-7ed13ff9a4bf" providerId="ADAL" clId="{79DF4C0E-7ECC-44F1-BA58-C10C01064493}" dt="2025-02-07T16:25:43.129" v="414" actId="3626"/>
@@ -955,14 +1409,6 @@
           <pc:docMk/>
           <pc:sldMk cId="1662085430" sldId="302"/>
         </pc:sldMkLst>
-        <pc:spChg chg="mod">
-          <ac:chgData name="MIGUEL TRIGUEROS MUÑOZ" userId="a4ee0321-97d7-430f-98a8-7ed13ff9a4bf" providerId="ADAL" clId="{79DF4C0E-7ECC-44F1-BA58-C10C01064493}" dt="2025-02-07T16:25:43.129" v="414" actId="3626"/>
-          <ac:spMkLst>
-            <pc:docMk/>
-            <pc:sldMk cId="1662085430" sldId="302"/>
-            <ac:spMk id="5" creationId="{2E672CE3-414F-1E3C-9928-F4B6B7568735}"/>
-          </ac:spMkLst>
-        </pc:spChg>
       </pc:sldChg>
       <pc:sldChg chg="addSp delSp modSp mod">
         <pc:chgData name="MIGUEL TRIGUEROS MUÑOZ" userId="a4ee0321-97d7-430f-98a8-7ed13ff9a4bf" providerId="ADAL" clId="{79DF4C0E-7ECC-44F1-BA58-C10C01064493}" dt="2025-02-07T18:30:37.161" v="558" actId="20577"/>
@@ -970,14 +1416,6 @@
           <pc:docMk/>
           <pc:sldMk cId="745458148" sldId="314"/>
         </pc:sldMkLst>
-        <pc:spChg chg="add mod">
-          <ac:chgData name="MIGUEL TRIGUEROS MUÑOZ" userId="a4ee0321-97d7-430f-98a8-7ed13ff9a4bf" providerId="ADAL" clId="{79DF4C0E-7ECC-44F1-BA58-C10C01064493}" dt="2025-02-07T18:30:37.161" v="558" actId="20577"/>
-          <ac:spMkLst>
-            <pc:docMk/>
-            <pc:sldMk cId="745458148" sldId="314"/>
-            <ac:spMk id="5" creationId="{B6810F6F-DB2A-ED7D-6A72-27AB303FFA23}"/>
-          </ac:spMkLst>
-        </pc:spChg>
       </pc:sldChg>
       <pc:sldChg chg="delSp modSp mod delAnim modNotesTx">
         <pc:chgData name="MIGUEL TRIGUEROS MUÑOZ" userId="a4ee0321-97d7-430f-98a8-7ed13ff9a4bf" providerId="ADAL" clId="{79DF4C0E-7ECC-44F1-BA58-C10C01064493}" dt="2025-02-17T20:28:27.487" v="567" actId="478"/>
@@ -985,22 +1423,6 @@
           <pc:docMk/>
           <pc:sldMk cId="2044085444" sldId="327"/>
         </pc:sldMkLst>
-        <pc:spChg chg="mod">
-          <ac:chgData name="MIGUEL TRIGUEROS MUÑOZ" userId="a4ee0321-97d7-430f-98a8-7ed13ff9a4bf" providerId="ADAL" clId="{79DF4C0E-7ECC-44F1-BA58-C10C01064493}" dt="2025-02-07T15:42:44.596" v="43" actId="20577"/>
-          <ac:spMkLst>
-            <pc:docMk/>
-            <pc:sldMk cId="2044085444" sldId="327"/>
-            <ac:spMk id="3" creationId="{BBD2C6B3-99D2-B9CC-5F50-ADD31ADFF127}"/>
-          </ac:spMkLst>
-        </pc:spChg>
-        <pc:graphicFrameChg chg="modGraphic">
-          <ac:chgData name="MIGUEL TRIGUEROS MUÑOZ" userId="a4ee0321-97d7-430f-98a8-7ed13ff9a4bf" providerId="ADAL" clId="{79DF4C0E-7ECC-44F1-BA58-C10C01064493}" dt="2025-02-06T19:26:59.544" v="35" actId="207"/>
-          <ac:graphicFrameMkLst>
-            <pc:docMk/>
-            <pc:sldMk cId="2044085444" sldId="327"/>
-            <ac:graphicFrameMk id="6" creationId="{9B25C18A-E3D8-24A2-BFBE-0EF56ABA1BA0}"/>
-          </ac:graphicFrameMkLst>
-        </pc:graphicFrameChg>
       </pc:sldChg>
       <pc:sldChg chg="modSp mod">
         <pc:chgData name="MIGUEL TRIGUEROS MUÑOZ" userId="a4ee0321-97d7-430f-98a8-7ed13ff9a4bf" providerId="ADAL" clId="{79DF4C0E-7ECC-44F1-BA58-C10C01064493}" dt="2025-03-03T12:26:44.312" v="589" actId="20577"/>
@@ -1008,14 +1430,6 @@
           <pc:docMk/>
           <pc:sldMk cId="155112023" sldId="328"/>
         </pc:sldMkLst>
-        <pc:spChg chg="mod">
-          <ac:chgData name="MIGUEL TRIGUEROS MUÑOZ" userId="a4ee0321-97d7-430f-98a8-7ed13ff9a4bf" providerId="ADAL" clId="{79DF4C0E-7ECC-44F1-BA58-C10C01064493}" dt="2025-03-03T12:26:44.312" v="589" actId="20577"/>
-          <ac:spMkLst>
-            <pc:docMk/>
-            <pc:sldMk cId="155112023" sldId="328"/>
-            <ac:spMk id="3" creationId="{BBD2C6B3-99D2-B9CC-5F50-ADD31ADFF127}"/>
-          </ac:spMkLst>
-        </pc:spChg>
       </pc:sldChg>
       <pc:sldChg chg="delSp modSp modAnim">
         <pc:chgData name="MIGUEL TRIGUEROS MUÑOZ" userId="a4ee0321-97d7-430f-98a8-7ed13ff9a4bf" providerId="ADAL" clId="{79DF4C0E-7ECC-44F1-BA58-C10C01064493}" dt="2025-02-07T18:34:28.648" v="566" actId="478"/>
@@ -1023,14 +1437,6 @@
           <pc:docMk/>
           <pc:sldMk cId="952270227" sldId="333"/>
         </pc:sldMkLst>
-        <pc:picChg chg="mod">
-          <ac:chgData name="MIGUEL TRIGUEROS MUÑOZ" userId="a4ee0321-97d7-430f-98a8-7ed13ff9a4bf" providerId="ADAL" clId="{79DF4C0E-7ECC-44F1-BA58-C10C01064493}" dt="2025-02-07T18:34:25.873" v="565" actId="14100"/>
-          <ac:picMkLst>
-            <pc:docMk/>
-            <pc:sldMk cId="952270227" sldId="333"/>
-            <ac:picMk id="5" creationId="{9D8F4161-0695-EBF9-716B-F8176C8FDC8C}"/>
-          </ac:picMkLst>
-        </pc:picChg>
       </pc:sldChg>
       <pc:sldChg chg="modSp mod">
         <pc:chgData name="MIGUEL TRIGUEROS MUÑOZ" userId="a4ee0321-97d7-430f-98a8-7ed13ff9a4bf" providerId="ADAL" clId="{79DF4C0E-7ECC-44F1-BA58-C10C01064493}" dt="2025-02-07T15:51:08.976" v="294" actId="115"/>
@@ -1038,14 +1444,6 @@
           <pc:docMk/>
           <pc:sldMk cId="2896794478" sldId="348"/>
         </pc:sldMkLst>
-        <pc:spChg chg="mod">
-          <ac:chgData name="MIGUEL TRIGUEROS MUÑOZ" userId="a4ee0321-97d7-430f-98a8-7ed13ff9a4bf" providerId="ADAL" clId="{79DF4C0E-7ECC-44F1-BA58-C10C01064493}" dt="2025-02-07T15:51:08.976" v="294" actId="115"/>
-          <ac:spMkLst>
-            <pc:docMk/>
-            <pc:sldMk cId="2896794478" sldId="348"/>
-            <ac:spMk id="3" creationId="{71D17A23-B7AA-B5D1-84CB-FCA914AB37D4}"/>
-          </ac:spMkLst>
-        </pc:spChg>
       </pc:sldChg>
       <pc:sldChg chg="modSp">
         <pc:chgData name="MIGUEL TRIGUEROS MUÑOZ" userId="a4ee0321-97d7-430f-98a8-7ed13ff9a4bf" providerId="ADAL" clId="{79DF4C0E-7ECC-44F1-BA58-C10C01064493}" dt="2025-02-07T18:34:06.632" v="561" actId="14100"/>
@@ -1053,30 +1451,6 @@
           <pc:docMk/>
           <pc:sldMk cId="557761139" sldId="362"/>
         </pc:sldMkLst>
-        <pc:spChg chg="mod">
-          <ac:chgData name="MIGUEL TRIGUEROS MUÑOZ" userId="a4ee0321-97d7-430f-98a8-7ed13ff9a4bf" providerId="ADAL" clId="{79DF4C0E-7ECC-44F1-BA58-C10C01064493}" dt="2025-02-07T18:34:06.632" v="561" actId="14100"/>
-          <ac:spMkLst>
-            <pc:docMk/>
-            <pc:sldMk cId="557761139" sldId="362"/>
-            <ac:spMk id="3" creationId="{4AC53F51-8B47-3772-A24A-5DA81B6EF0D6}"/>
-          </ac:spMkLst>
-        </pc:spChg>
-        <pc:picChg chg="mod">
-          <ac:chgData name="MIGUEL TRIGUEROS MUÑOZ" userId="a4ee0321-97d7-430f-98a8-7ed13ff9a4bf" providerId="ADAL" clId="{79DF4C0E-7ECC-44F1-BA58-C10C01064493}" dt="2025-02-07T18:33:59.785" v="559" actId="1076"/>
-          <ac:picMkLst>
-            <pc:docMk/>
-            <pc:sldMk cId="557761139" sldId="362"/>
-            <ac:picMk id="6" creationId="{ACBAEA9B-801C-F642-1EE1-058270C00FD2}"/>
-          </ac:picMkLst>
-        </pc:picChg>
-        <pc:picChg chg="mod">
-          <ac:chgData name="MIGUEL TRIGUEROS MUÑOZ" userId="a4ee0321-97d7-430f-98a8-7ed13ff9a4bf" providerId="ADAL" clId="{79DF4C0E-7ECC-44F1-BA58-C10C01064493}" dt="2025-02-07T18:34:02.274" v="560" actId="1076"/>
-          <ac:picMkLst>
-            <pc:docMk/>
-            <pc:sldMk cId="557761139" sldId="362"/>
-            <ac:picMk id="9" creationId="{50DDBE8C-7EED-253A-BA5D-40928057962C}"/>
-          </ac:picMkLst>
-        </pc:picChg>
       </pc:sldChg>
       <pc:sldChg chg="modSp mod">
         <pc:chgData name="MIGUEL TRIGUEROS MUÑOZ" userId="a4ee0321-97d7-430f-98a8-7ed13ff9a4bf" providerId="ADAL" clId="{79DF4C0E-7ECC-44F1-BA58-C10C01064493}" dt="2025-02-07T15:51:42.685" v="356" actId="20577"/>
@@ -1084,14 +1458,6 @@
           <pc:docMk/>
           <pc:sldMk cId="3422367261" sldId="365"/>
         </pc:sldMkLst>
-        <pc:spChg chg="mod">
-          <ac:chgData name="MIGUEL TRIGUEROS MUÑOZ" userId="a4ee0321-97d7-430f-98a8-7ed13ff9a4bf" providerId="ADAL" clId="{79DF4C0E-7ECC-44F1-BA58-C10C01064493}" dt="2025-02-07T15:51:42.685" v="356" actId="20577"/>
-          <ac:spMkLst>
-            <pc:docMk/>
-            <pc:sldMk cId="3422367261" sldId="365"/>
-            <ac:spMk id="3" creationId="{D467753D-0977-74A5-94C4-109F495F4356}"/>
-          </ac:spMkLst>
-        </pc:spChg>
       </pc:sldChg>
       <pc:sldChg chg="modSp mod">
         <pc:chgData name="MIGUEL TRIGUEROS MUÑOZ" userId="a4ee0321-97d7-430f-98a8-7ed13ff9a4bf" providerId="ADAL" clId="{79DF4C0E-7ECC-44F1-BA58-C10C01064493}" dt="2025-02-07T15:48:41.446" v="277" actId="113"/>
@@ -1099,22 +1465,6 @@
           <pc:docMk/>
           <pc:sldMk cId="1115552724" sldId="366"/>
         </pc:sldMkLst>
-        <pc:spChg chg="mod">
-          <ac:chgData name="MIGUEL TRIGUEROS MUÑOZ" userId="a4ee0321-97d7-430f-98a8-7ed13ff9a4bf" providerId="ADAL" clId="{79DF4C0E-7ECC-44F1-BA58-C10C01064493}" dt="2025-02-07T15:48:41.446" v="277" actId="113"/>
-          <ac:spMkLst>
-            <pc:docMk/>
-            <pc:sldMk cId="1115552724" sldId="366"/>
-            <ac:spMk id="3" creationId="{5C807BD4-9B29-4076-45C9-B5B65A3B6008}"/>
-          </ac:spMkLst>
-        </pc:spChg>
-        <pc:picChg chg="mod">
-          <ac:chgData name="MIGUEL TRIGUEROS MUÑOZ" userId="a4ee0321-97d7-430f-98a8-7ed13ff9a4bf" providerId="ADAL" clId="{79DF4C0E-7ECC-44F1-BA58-C10C01064493}" dt="2025-02-07T15:47:52.482" v="218" actId="1076"/>
-          <ac:picMkLst>
-            <pc:docMk/>
-            <pc:sldMk cId="1115552724" sldId="366"/>
-            <ac:picMk id="5" creationId="{ADA8BF2E-9033-CD1F-51D0-F6174896E751}"/>
-          </ac:picMkLst>
-        </pc:picChg>
       </pc:sldChg>
       <pc:sldChg chg="modSp add del">
         <pc:chgData name="MIGUEL TRIGUEROS MUÑOZ" userId="a4ee0321-97d7-430f-98a8-7ed13ff9a4bf" providerId="ADAL" clId="{79DF4C0E-7ECC-44F1-BA58-C10C01064493}" dt="2025-02-07T18:27:11.879" v="419" actId="2696"/>
@@ -1136,14 +1486,6 @@
           <pc:docMk/>
           <pc:sldMasterMk cId="48007759" sldId="2147483686"/>
         </pc:sldMasterMkLst>
-        <pc:spChg chg="mod">
-          <ac:chgData name="MIGUEL TRIGUEROS MUÑOZ" userId="a4ee0321-97d7-430f-98a8-7ed13ff9a4bf" providerId="ADAL" clId="{79DF4C0E-7ECC-44F1-BA58-C10C01064493}" dt="2025-02-06T19:25:52.832" v="34" actId="20577"/>
-          <ac:spMkLst>
-            <pc:docMk/>
-            <pc:sldMasterMk cId="48007759" sldId="2147483686"/>
-            <ac:spMk id="18" creationId="{F589B1CF-02D4-4456-3BF5-4299A2F5FF62}"/>
-          </ac:spMkLst>
-        </pc:spChg>
       </pc:sldMasterChg>
     </pc:docChg>
   </pc:docChgLst>
@@ -1189,32 +1531,6 @@
 </pc:chgInfo>
 </file>
 
-<file path=ppt/comments/modernComment_14D_38C27D93.xml><?xml version="1.0" encoding="utf-8"?>
-<p188:cmLst xmlns:a="http://schemas.openxmlformats.org/drawingml/2006/main" xmlns:r="http://schemas.openxmlformats.org/officeDocument/2006/relationships" xmlns:p188="http://schemas.microsoft.com/office/powerpoint/2018/8/main">
-  <p188:cm id="{3136CD74-42C5-4D17-ACF1-463C6CA295D3}" authorId="{977F47D7-07F1-85A1-7633-049FB299B8FA}" created="2024-03-10T08:21:09.975">
-    <ac:txMkLst xmlns:ac="http://schemas.microsoft.com/office/drawing/2013/main/command">
-      <pc:docMk xmlns:pc="http://schemas.microsoft.com/office/powerpoint/2013/main/command"/>
-      <pc:sldMk xmlns:pc="http://schemas.microsoft.com/office/powerpoint/2013/main/command" cId="952270227" sldId="333"/>
-      <ac:spMk id="3" creationId="{BBD2C6B3-99D2-B9CC-5F50-ADD31ADFF127}"/>
-      <ac:txMk cp="0" len="5">
-        <ac:context len="331" hash="1996022132"/>
-      </ac:txMk>
-    </ac:txMkLst>
-    <p188:pos x="1082960" y="281947"/>
-    <p188:txBody>
-      <a:bodyPr/>
-      <a:lstStyle/>
-      <a:p>
-        <a:r>
-          <a:rPr lang="es-ES"/>
-          <a:t>Mejorar los pasos</a:t>
-        </a:r>
-      </a:p>
-    </p188:txBody>
-  </p188:cm>
-</p188:cmLst>
-</file>
-
 <file path=ppt/handoutMasters/handoutMaster1.xml><?xml version="1.0" encoding="utf-8"?>
 <p:handoutMaster xmlns:a="http://schemas.openxmlformats.org/drawingml/2006/main" xmlns:r="http://schemas.openxmlformats.org/officeDocument/2006/relationships" xmlns:p="http://schemas.openxmlformats.org/presentationml/2006/main">
   <p:cSld>
@@ -1309,7 +1625,7 @@
           <a:p>
             <a:fld id="{BA89FAE3-5837-4C1B-BC4B-90063F16532C}" type="datetimeFigureOut">
               <a:rPr lang="es-ES" smtClean="0"/>
-              <a:t>03/03/2025</a:t>
+              <a:t>08/07/2025</a:t>
             </a:fld>
             <a:endParaRPr lang="es-ES"/>
           </a:p>
@@ -1486,7 +1802,7 @@
           <a:p>
             <a:fld id="{73C425FF-1B7F-4E8F-BB9C-39A442C619BF}" type="datetimeFigureOut">
               <a:rPr lang="es-ES" smtClean="0"/>
-              <a:t>03/03/2025</a:t>
+              <a:t>08/07/2025</a:t>
             </a:fld>
             <a:endParaRPr lang="es-ES"/>
           </a:p>
@@ -1798,66 +2114,16 @@
           <a:lstStyle/>
           <a:p>
             <a:r>
-              <a:rPr lang="es-ES" dirty="0"/>
-              <a:t>El orden nombre: Tipo o Tipo: nombre no está en el UML, solo es importante ser consistente</a:t>
-            </a:r>
-          </a:p>
-          <a:p>
-            <a:r>
-              <a:rPr lang="es-ES" dirty="0"/>
-              <a:t>Sin embargo, considero que la notación </a:t>
-            </a:r>
-            <a:r>
-              <a:rPr lang="es-ES" b="1" i="1" dirty="0"/>
-              <a:t>nombre: Tipo y hacer(): Tipo </a:t>
-            </a:r>
-            <a:r>
-              <a:rPr lang="es-ES" dirty="0"/>
-              <a:t>es lo más natural y comprensible.</a:t>
-            </a:r>
-          </a:p>
-          <a:p>
-            <a:r>
-              <a:rPr lang="es-ES" dirty="0"/>
-              <a:t>Es importante seguir las convenciones del equipo y estas son nuestras convenciones.</a:t>
-            </a:r>
-          </a:p>
-          <a:p>
-            <a:r>
-              <a:rPr lang="es-ES" dirty="0"/>
-              <a:t>Tb podemos ver </a:t>
-            </a:r>
-            <a:r>
-              <a:rPr lang="es-ES" dirty="0" err="1"/>
-              <a:t>metodo</a:t>
-            </a:r>
-            <a:r>
-              <a:rPr lang="es-ES" dirty="0"/>
-              <a:t>(</a:t>
-            </a:r>
-            <a:r>
-              <a:rPr lang="es-ES" dirty="0" err="1"/>
-              <a:t>int:edad</a:t>
-            </a:r>
-            <a:r>
-              <a:rPr lang="es-ES" dirty="0"/>
-              <a:t>), es aceptado. </a:t>
-            </a:r>
-            <a:r>
-              <a:rPr lang="es-ES"/>
-              <a:t>Se prefiere metodo</a:t>
-            </a:r>
-            <a:r>
-              <a:rPr lang="es-ES" dirty="0"/>
-              <a:t>(</a:t>
-            </a:r>
-            <a:r>
-              <a:rPr lang="es-ES" dirty="0" err="1"/>
-              <a:t>int</a:t>
-            </a:r>
-            <a:r>
-              <a:rPr lang="es-ES" dirty="0"/>
-              <a:t>)</a:t>
+              <a:rPr lang="es-ES" sz="800" dirty="0"/>
+              <a:t>Antes de los cimientos, hacemos los </a:t>
+            </a:r>
+            <a:r>
+              <a:rPr lang="es-ES" sz="4400" dirty="0"/>
+              <a:t>planos</a:t>
+            </a:r>
+            <a:r>
+              <a:rPr lang="es-ES" sz="800" dirty="0"/>
+              <a:t>: para transmitir el diseño a quien lo va a construir, pero también para reflexionar sobre lo que se quiere (los planos se pueden rehacer más fácilmente)</a:t>
             </a:r>
           </a:p>
         </p:txBody>
@@ -1879,7 +2145,7 @@
           <a:p>
             <a:fld id="{2B187428-8AF8-455B-BDC9-B299B46AA1EA}" type="slidenum">
               <a:rPr lang="es-ES" smtClean="0"/>
-              <a:t>13</a:t>
+              <a:t>4</a:t>
             </a:fld>
             <a:endParaRPr lang="es-ES"/>
           </a:p>
@@ -1888,7 +2154,283 @@
     </p:spTree>
     <p:extLst>
       <p:ext uri="{BB962C8B-B14F-4D97-AF65-F5344CB8AC3E}">
-        <p14:creationId xmlns:p14="http://schemas.microsoft.com/office/powerpoint/2010/main" val="901787949"/>
+        <p14:creationId xmlns:p14="http://schemas.microsoft.com/office/powerpoint/2010/main" val="2641846208"/>
+      </p:ext>
+    </p:extLst>
+  </p:cSld>
+  <p:clrMapOvr>
+    <a:masterClrMapping/>
+  </p:clrMapOvr>
+</p:notes>
+</file>
+
+<file path=ppt/notesSlides/notesSlide10.xml><?xml version="1.0" encoding="utf-8"?>
+<p:notes xmlns:a="http://schemas.openxmlformats.org/drawingml/2006/main" xmlns:r="http://schemas.openxmlformats.org/officeDocument/2006/relationships" xmlns:p="http://schemas.openxmlformats.org/presentationml/2006/main">
+  <p:cSld>
+    <p:spTree>
+      <p:nvGrpSpPr>
+        <p:cNvPr id="1" name=""/>
+        <p:cNvGrpSpPr/>
+        <p:nvPr/>
+      </p:nvGrpSpPr>
+      <p:grpSpPr>
+        <a:xfrm>
+          <a:off x="0" y="0"/>
+          <a:ext cx="0" cy="0"/>
+          <a:chOff x="0" y="0"/>
+          <a:chExt cx="0" cy="0"/>
+        </a:xfrm>
+      </p:grpSpPr>
+      <p:sp>
+        <p:nvSpPr>
+          <p:cNvPr id="2" name="Marcador de imagen de diapositiva 1"/>
+          <p:cNvSpPr>
+            <a:spLocks noGrp="1" noRot="1" noChangeAspect="1"/>
+          </p:cNvSpPr>
+          <p:nvPr>
+            <p:ph type="sldImg"/>
+          </p:nvPr>
+        </p:nvSpPr>
+        <p:spPr/>
+      </p:sp>
+      <p:sp>
+        <p:nvSpPr>
+          <p:cNvPr id="3" name="Marcador de notas 2"/>
+          <p:cNvSpPr>
+            <a:spLocks noGrp="1"/>
+          </p:cNvSpPr>
+          <p:nvPr>
+            <p:ph type="body" idx="1"/>
+          </p:nvPr>
+        </p:nvSpPr>
+        <p:spPr/>
+        <p:txBody>
+          <a:bodyPr/>
+          <a:lstStyle/>
+          <a:p>
+            <a:endParaRPr lang="es-ES" dirty="0"/>
+          </a:p>
+        </p:txBody>
+      </p:sp>
+      <p:sp>
+        <p:nvSpPr>
+          <p:cNvPr id="4" name="Marcador de número de diapositiva 3"/>
+          <p:cNvSpPr>
+            <a:spLocks noGrp="1"/>
+          </p:cNvSpPr>
+          <p:nvPr>
+            <p:ph type="sldNum" sz="quarter" idx="5"/>
+          </p:nvPr>
+        </p:nvSpPr>
+        <p:spPr/>
+        <p:txBody>
+          <a:bodyPr/>
+          <a:lstStyle/>
+          <a:p>
+            <a:fld id="{2B187428-8AF8-455B-BDC9-B299B46AA1EA}" type="slidenum">
+              <a:rPr lang="es-ES" smtClean="0"/>
+              <a:t>19</a:t>
+            </a:fld>
+            <a:endParaRPr lang="es-ES"/>
+          </a:p>
+        </p:txBody>
+      </p:sp>
+    </p:spTree>
+    <p:extLst>
+      <p:ext uri="{BB962C8B-B14F-4D97-AF65-F5344CB8AC3E}">
+        <p14:creationId xmlns:p14="http://schemas.microsoft.com/office/powerpoint/2010/main" val="3453339588"/>
+      </p:ext>
+    </p:extLst>
+  </p:cSld>
+  <p:clrMapOvr>
+    <a:masterClrMapping/>
+  </p:clrMapOvr>
+</p:notes>
+</file>
+
+<file path=ppt/notesSlides/notesSlide11.xml><?xml version="1.0" encoding="utf-8"?>
+<p:notes xmlns:a="http://schemas.openxmlformats.org/drawingml/2006/main" xmlns:r="http://schemas.openxmlformats.org/officeDocument/2006/relationships" xmlns:p="http://schemas.openxmlformats.org/presentationml/2006/main">
+  <p:cSld>
+    <p:spTree>
+      <p:nvGrpSpPr>
+        <p:cNvPr id="1" name=""/>
+        <p:cNvGrpSpPr/>
+        <p:nvPr/>
+      </p:nvGrpSpPr>
+      <p:grpSpPr>
+        <a:xfrm>
+          <a:off x="0" y="0"/>
+          <a:ext cx="0" cy="0"/>
+          <a:chOff x="0" y="0"/>
+          <a:chExt cx="0" cy="0"/>
+        </a:xfrm>
+      </p:grpSpPr>
+      <p:sp>
+        <p:nvSpPr>
+          <p:cNvPr id="2" name="Marcador de imagen de diapositiva 1"/>
+          <p:cNvSpPr>
+            <a:spLocks noGrp="1" noRot="1" noChangeAspect="1"/>
+          </p:cNvSpPr>
+          <p:nvPr>
+            <p:ph type="sldImg"/>
+          </p:nvPr>
+        </p:nvSpPr>
+        <p:spPr/>
+      </p:sp>
+      <p:sp>
+        <p:nvSpPr>
+          <p:cNvPr id="3" name="Marcador de notas 2"/>
+          <p:cNvSpPr>
+            <a:spLocks noGrp="1"/>
+          </p:cNvSpPr>
+          <p:nvPr>
+            <p:ph type="body" idx="1"/>
+          </p:nvPr>
+        </p:nvSpPr>
+        <p:spPr/>
+        <p:txBody>
+          <a:bodyPr/>
+          <a:lstStyle/>
+          <a:p>
+            <a:endParaRPr lang="es-ES" dirty="0"/>
+          </a:p>
+        </p:txBody>
+      </p:sp>
+      <p:sp>
+        <p:nvSpPr>
+          <p:cNvPr id="4" name="Marcador de número de diapositiva 3"/>
+          <p:cNvSpPr>
+            <a:spLocks noGrp="1"/>
+          </p:cNvSpPr>
+          <p:nvPr>
+            <p:ph type="sldNum" sz="quarter" idx="5"/>
+          </p:nvPr>
+        </p:nvSpPr>
+        <p:spPr/>
+        <p:txBody>
+          <a:bodyPr/>
+          <a:lstStyle/>
+          <a:p>
+            <a:fld id="{2B187428-8AF8-455B-BDC9-B299B46AA1EA}" type="slidenum">
+              <a:rPr lang="es-ES" smtClean="0"/>
+              <a:t>20</a:t>
+            </a:fld>
+            <a:endParaRPr lang="es-ES"/>
+          </a:p>
+        </p:txBody>
+      </p:sp>
+    </p:spTree>
+    <p:extLst>
+      <p:ext uri="{BB962C8B-B14F-4D97-AF65-F5344CB8AC3E}">
+        <p14:creationId xmlns:p14="http://schemas.microsoft.com/office/powerpoint/2010/main" val="1642347732"/>
+      </p:ext>
+    </p:extLst>
+  </p:cSld>
+  <p:clrMapOvr>
+    <a:masterClrMapping/>
+  </p:clrMapOvr>
+</p:notes>
+</file>
+
+<file path=ppt/notesSlides/notesSlide12.xml><?xml version="1.0" encoding="utf-8"?>
+<p:notes xmlns:a="http://schemas.openxmlformats.org/drawingml/2006/main" xmlns:r="http://schemas.openxmlformats.org/officeDocument/2006/relationships" xmlns:p="http://schemas.openxmlformats.org/presentationml/2006/main">
+  <p:cSld>
+    <p:spTree>
+      <p:nvGrpSpPr>
+        <p:cNvPr id="1" name="">
+          <a:extLst>
+            <a:ext uri="{FF2B5EF4-FFF2-40B4-BE49-F238E27FC236}">
+              <a16:creationId xmlns:a16="http://schemas.microsoft.com/office/drawing/2014/main" id="{9CF8516D-8E3E-2BAF-9EBD-CFD14680C0DA}"/>
+            </a:ext>
+          </a:extLst>
+        </p:cNvPr>
+        <p:cNvGrpSpPr/>
+        <p:nvPr/>
+      </p:nvGrpSpPr>
+      <p:grpSpPr>
+        <a:xfrm>
+          <a:off x="0" y="0"/>
+          <a:ext cx="0" cy="0"/>
+          <a:chOff x="0" y="0"/>
+          <a:chExt cx="0" cy="0"/>
+        </a:xfrm>
+      </p:grpSpPr>
+      <p:sp>
+        <p:nvSpPr>
+          <p:cNvPr id="2" name="Marcador de imagen de diapositiva 1">
+            <a:extLst>
+              <a:ext uri="{FF2B5EF4-FFF2-40B4-BE49-F238E27FC236}">
+                <a16:creationId xmlns:a16="http://schemas.microsoft.com/office/drawing/2014/main" id="{0A49D23C-8B06-5DE1-3BC0-0138ABF66F51}"/>
+              </a:ext>
+            </a:extLst>
+          </p:cNvPr>
+          <p:cNvSpPr>
+            <a:spLocks noGrp="1" noRot="1" noChangeAspect="1"/>
+          </p:cNvSpPr>
+          <p:nvPr>
+            <p:ph type="sldImg"/>
+          </p:nvPr>
+        </p:nvSpPr>
+        <p:spPr/>
+      </p:sp>
+      <p:sp>
+        <p:nvSpPr>
+          <p:cNvPr id="3" name="Marcador de notas 2">
+            <a:extLst>
+              <a:ext uri="{FF2B5EF4-FFF2-40B4-BE49-F238E27FC236}">
+                <a16:creationId xmlns:a16="http://schemas.microsoft.com/office/drawing/2014/main" id="{FB575F11-B38B-22A6-7B0C-FE1E9F649BC0}"/>
+              </a:ext>
+            </a:extLst>
+          </p:cNvPr>
+          <p:cNvSpPr>
+            <a:spLocks noGrp="1"/>
+          </p:cNvSpPr>
+          <p:nvPr>
+            <p:ph type="body" idx="1"/>
+          </p:nvPr>
+        </p:nvSpPr>
+        <p:spPr/>
+        <p:txBody>
+          <a:bodyPr/>
+          <a:lstStyle/>
+          <a:p>
+            <a:endParaRPr lang="es-ES" dirty="0"/>
+          </a:p>
+        </p:txBody>
+      </p:sp>
+      <p:sp>
+        <p:nvSpPr>
+          <p:cNvPr id="4" name="Marcador de número de diapositiva 3">
+            <a:extLst>
+              <a:ext uri="{FF2B5EF4-FFF2-40B4-BE49-F238E27FC236}">
+                <a16:creationId xmlns:a16="http://schemas.microsoft.com/office/drawing/2014/main" id="{D0ADD981-C29E-4056-4289-45F3D828D802}"/>
+              </a:ext>
+            </a:extLst>
+          </p:cNvPr>
+          <p:cNvSpPr>
+            <a:spLocks noGrp="1"/>
+          </p:cNvSpPr>
+          <p:nvPr>
+            <p:ph type="sldNum" sz="quarter" idx="5"/>
+          </p:nvPr>
+        </p:nvSpPr>
+        <p:spPr/>
+        <p:txBody>
+          <a:bodyPr/>
+          <a:lstStyle/>
+          <a:p>
+            <a:fld id="{2B187428-8AF8-455B-BDC9-B299B46AA1EA}" type="slidenum">
+              <a:rPr lang="es-ES" smtClean="0"/>
+              <a:t>22</a:t>
+            </a:fld>
+            <a:endParaRPr lang="es-ES"/>
+          </a:p>
+        </p:txBody>
+      </p:sp>
+    </p:spTree>
+    <p:extLst>
+      <p:ext uri="{BB962C8B-B14F-4D97-AF65-F5344CB8AC3E}">
+        <p14:creationId xmlns:p14="http://schemas.microsoft.com/office/powerpoint/2010/main" val="2126538956"/>
       </p:ext>
     </p:extLst>
   </p:cSld>
@@ -1942,7 +2484,10 @@
           <a:bodyPr/>
           <a:lstStyle/>
           <a:p>
-            <a:endParaRPr lang="es-ES" dirty="0"/>
+            <a:r>
+              <a:rPr lang="es-ES" dirty="0"/>
+              <a:t>Buscar en la web ejemplos de diagramas de clases y compartir con los compañeros las características extraídas por cada alumno</a:t>
+            </a:r>
           </a:p>
         </p:txBody>
       </p:sp>
@@ -1963,7 +2508,7 @@
           <a:p>
             <a:fld id="{2B187428-8AF8-455B-BDC9-B299B46AA1EA}" type="slidenum">
               <a:rPr lang="es-ES" smtClean="0"/>
-              <a:t>19</a:t>
+              <a:t>6</a:t>
             </a:fld>
             <a:endParaRPr lang="es-ES"/>
           </a:p>
@@ -1972,7 +2517,7 @@
     </p:spTree>
     <p:extLst>
       <p:ext uri="{BB962C8B-B14F-4D97-AF65-F5344CB8AC3E}">
-        <p14:creationId xmlns:p14="http://schemas.microsoft.com/office/powerpoint/2010/main" val="3453339588"/>
+        <p14:creationId xmlns:p14="http://schemas.microsoft.com/office/powerpoint/2010/main" val="1565423307"/>
       </p:ext>
     </p:extLst>
   </p:cSld>
@@ -2026,7 +2571,68 @@
           <a:bodyPr/>
           <a:lstStyle/>
           <a:p>
-            <a:endParaRPr lang="es-ES" dirty="0"/>
+            <a:r>
+              <a:rPr lang="es-ES" dirty="0"/>
+              <a:t>El orden nombre: Tipo o Tipo: nombre no está en el UML, solo es importante ser consistente</a:t>
+            </a:r>
+          </a:p>
+          <a:p>
+            <a:r>
+              <a:rPr lang="es-ES" dirty="0"/>
+              <a:t>Sin embargo, considero que la notación </a:t>
+            </a:r>
+            <a:r>
+              <a:rPr lang="es-ES" b="1" i="1" dirty="0"/>
+              <a:t>nombre: Tipo y hacer(): Tipo </a:t>
+            </a:r>
+            <a:r>
+              <a:rPr lang="es-ES" dirty="0"/>
+              <a:t>es lo más natural y comprensible.</a:t>
+            </a:r>
+          </a:p>
+          <a:p>
+            <a:r>
+              <a:rPr lang="es-ES" dirty="0"/>
+              <a:t>Es importante seguir las convenciones del equipo y estas son nuestras convenciones.</a:t>
+            </a:r>
+          </a:p>
+          <a:p>
+            <a:r>
+              <a:rPr lang="es-ES" dirty="0"/>
+              <a:t>Tb podemos ver </a:t>
+            </a:r>
+            <a:r>
+              <a:rPr lang="es-ES" dirty="0" err="1"/>
+              <a:t>metodo</a:t>
+            </a:r>
+            <a:r>
+              <a:rPr lang="es-ES" dirty="0"/>
+              <a:t>(</a:t>
+            </a:r>
+            <a:r>
+              <a:rPr lang="es-ES" dirty="0" err="1"/>
+              <a:t>int:edad</a:t>
+            </a:r>
+            <a:r>
+              <a:rPr lang="es-ES" dirty="0"/>
+              <a:t>), es aceptado. </a:t>
+            </a:r>
+            <a:r>
+              <a:rPr lang="es-ES"/>
+              <a:t>Se prefiere metodo</a:t>
+            </a:r>
+            <a:r>
+              <a:rPr lang="es-ES" dirty="0"/>
+              <a:t>(</a:t>
+            </a:r>
+            <a:r>
+              <a:rPr lang="es-ES" dirty="0" err="1"/>
+              <a:t>int</a:t>
+            </a:r>
+            <a:r>
+              <a:rPr lang="es-ES" dirty="0"/>
+              <a:t>)</a:t>
+            </a:r>
           </a:p>
         </p:txBody>
       </p:sp>
@@ -2047,7 +2653,7 @@
           <a:p>
             <a:fld id="{2B187428-8AF8-455B-BDC9-B299B46AA1EA}" type="slidenum">
               <a:rPr lang="es-ES" smtClean="0"/>
-              <a:t>20</a:t>
+              <a:t>11</a:t>
             </a:fld>
             <a:endParaRPr lang="es-ES"/>
           </a:p>
@@ -2056,7 +2662,7 @@
     </p:spTree>
     <p:extLst>
       <p:ext uri="{BB962C8B-B14F-4D97-AF65-F5344CB8AC3E}">
-        <p14:creationId xmlns:p14="http://schemas.microsoft.com/office/powerpoint/2010/main" val="1642347732"/>
+        <p14:creationId xmlns:p14="http://schemas.microsoft.com/office/powerpoint/2010/main" val="901787949"/>
       </p:ext>
     </p:extLst>
   </p:cSld>
@@ -2067,6 +2673,114 @@
 </file>
 
 <file path=ppt/notesSlides/notesSlide4.xml><?xml version="1.0" encoding="utf-8"?>
+<p:notes xmlns:a="http://schemas.openxmlformats.org/drawingml/2006/main" xmlns:r="http://schemas.openxmlformats.org/officeDocument/2006/relationships" xmlns:p="http://schemas.openxmlformats.org/presentationml/2006/main">
+  <p:cSld>
+    <p:spTree>
+      <p:nvGrpSpPr>
+        <p:cNvPr id="1" name="">
+          <a:extLst>
+            <a:ext uri="{FF2B5EF4-FFF2-40B4-BE49-F238E27FC236}">
+              <a16:creationId xmlns:a16="http://schemas.microsoft.com/office/drawing/2014/main" id="{9E390175-3412-BD9A-F2FE-CB0BDFE15D1F}"/>
+            </a:ext>
+          </a:extLst>
+        </p:cNvPr>
+        <p:cNvGrpSpPr/>
+        <p:nvPr/>
+      </p:nvGrpSpPr>
+      <p:grpSpPr>
+        <a:xfrm>
+          <a:off x="0" y="0"/>
+          <a:ext cx="0" cy="0"/>
+          <a:chOff x="0" y="0"/>
+          <a:chExt cx="0" cy="0"/>
+        </a:xfrm>
+      </p:grpSpPr>
+      <p:sp>
+        <p:nvSpPr>
+          <p:cNvPr id="2" name="Marcador de imagen de diapositiva 1">
+            <a:extLst>
+              <a:ext uri="{FF2B5EF4-FFF2-40B4-BE49-F238E27FC236}">
+                <a16:creationId xmlns:a16="http://schemas.microsoft.com/office/drawing/2014/main" id="{2DE0D263-C736-EF23-09BD-64ED1684D45B}"/>
+              </a:ext>
+            </a:extLst>
+          </p:cNvPr>
+          <p:cNvSpPr>
+            <a:spLocks noGrp="1" noRot="1" noChangeAspect="1"/>
+          </p:cNvSpPr>
+          <p:nvPr>
+            <p:ph type="sldImg"/>
+          </p:nvPr>
+        </p:nvSpPr>
+        <p:spPr/>
+      </p:sp>
+      <p:sp>
+        <p:nvSpPr>
+          <p:cNvPr id="3" name="Marcador de notas 2">
+            <a:extLst>
+              <a:ext uri="{FF2B5EF4-FFF2-40B4-BE49-F238E27FC236}">
+                <a16:creationId xmlns:a16="http://schemas.microsoft.com/office/drawing/2014/main" id="{6BE6065C-8F3D-884F-DF0B-FE34A5491FD8}"/>
+              </a:ext>
+            </a:extLst>
+          </p:cNvPr>
+          <p:cNvSpPr>
+            <a:spLocks noGrp="1"/>
+          </p:cNvSpPr>
+          <p:nvPr>
+            <p:ph type="body" idx="1"/>
+          </p:nvPr>
+        </p:nvSpPr>
+        <p:spPr/>
+        <p:txBody>
+          <a:bodyPr/>
+          <a:lstStyle/>
+          <a:p>
+            <a:endParaRPr lang="es-ES" dirty="0"/>
+          </a:p>
+        </p:txBody>
+      </p:sp>
+      <p:sp>
+        <p:nvSpPr>
+          <p:cNvPr id="4" name="Marcador de número de diapositiva 3">
+            <a:extLst>
+              <a:ext uri="{FF2B5EF4-FFF2-40B4-BE49-F238E27FC236}">
+                <a16:creationId xmlns:a16="http://schemas.microsoft.com/office/drawing/2014/main" id="{05596562-9766-2A90-1B51-ECA8EC1AEC7B}"/>
+              </a:ext>
+            </a:extLst>
+          </p:cNvPr>
+          <p:cNvSpPr>
+            <a:spLocks noGrp="1"/>
+          </p:cNvSpPr>
+          <p:nvPr>
+            <p:ph type="sldNum" sz="quarter" idx="5"/>
+          </p:nvPr>
+        </p:nvSpPr>
+        <p:spPr/>
+        <p:txBody>
+          <a:bodyPr/>
+          <a:lstStyle/>
+          <a:p>
+            <a:fld id="{2B187428-8AF8-455B-BDC9-B299B46AA1EA}" type="slidenum">
+              <a:rPr lang="es-ES" smtClean="0"/>
+              <a:t>12</a:t>
+            </a:fld>
+            <a:endParaRPr lang="es-ES"/>
+          </a:p>
+        </p:txBody>
+      </p:sp>
+    </p:spTree>
+    <p:extLst>
+      <p:ext uri="{BB962C8B-B14F-4D97-AF65-F5344CB8AC3E}">
+        <p14:creationId xmlns:p14="http://schemas.microsoft.com/office/powerpoint/2010/main" val="421647218"/>
+      </p:ext>
+    </p:extLst>
+  </p:cSld>
+  <p:clrMapOvr>
+    <a:masterClrMapping/>
+  </p:clrMapOvr>
+</p:notes>
+</file>
+
+<file path=ppt/notesSlides/notesSlide5.xml><?xml version="1.0" encoding="utf-8"?>
 <p:notes xmlns:a="http://schemas.openxmlformats.org/drawingml/2006/main" xmlns:r="http://schemas.openxmlformats.org/officeDocument/2006/relationships" xmlns:p="http://schemas.openxmlformats.org/presentationml/2006/main">
   <p:cSld>
     <p:spTree>
@@ -2110,7 +2824,10 @@
           <a:bodyPr/>
           <a:lstStyle/>
           <a:p>
-            <a:endParaRPr lang="es-ES" dirty="0"/>
+            <a:r>
+              <a:rPr lang="es-ES" dirty="0"/>
+              <a:t>¿Qué implica en el código una asociación?</a:t>
+            </a:r>
           </a:p>
         </p:txBody>
       </p:sp>
@@ -2131,7 +2848,7 @@
           <a:p>
             <a:fld id="{2B187428-8AF8-455B-BDC9-B299B46AA1EA}" type="slidenum">
               <a:rPr lang="es-ES" smtClean="0"/>
-              <a:t>23</a:t>
+              <a:t>13</a:t>
             </a:fld>
             <a:endParaRPr lang="es-ES"/>
           </a:p>
@@ -2140,7 +2857,422 @@
     </p:spTree>
     <p:extLst>
       <p:ext uri="{BB962C8B-B14F-4D97-AF65-F5344CB8AC3E}">
-        <p14:creationId xmlns:p14="http://schemas.microsoft.com/office/powerpoint/2010/main" val="2200713157"/>
+        <p14:creationId xmlns:p14="http://schemas.microsoft.com/office/powerpoint/2010/main" val="4181214833"/>
+      </p:ext>
+    </p:extLst>
+  </p:cSld>
+  <p:clrMapOvr>
+    <a:masterClrMapping/>
+  </p:clrMapOvr>
+</p:notes>
+</file>
+
+<file path=ppt/notesSlides/notesSlide6.xml><?xml version="1.0" encoding="utf-8"?>
+<p:notes xmlns:a="http://schemas.openxmlformats.org/drawingml/2006/main" xmlns:r="http://schemas.openxmlformats.org/officeDocument/2006/relationships" xmlns:p="http://schemas.openxmlformats.org/presentationml/2006/main">
+  <p:cSld>
+    <p:spTree>
+      <p:nvGrpSpPr>
+        <p:cNvPr id="1" name=""/>
+        <p:cNvGrpSpPr/>
+        <p:nvPr/>
+      </p:nvGrpSpPr>
+      <p:grpSpPr>
+        <a:xfrm>
+          <a:off x="0" y="0"/>
+          <a:ext cx="0" cy="0"/>
+          <a:chOff x="0" y="0"/>
+          <a:chExt cx="0" cy="0"/>
+        </a:xfrm>
+      </p:grpSpPr>
+      <p:sp>
+        <p:nvSpPr>
+          <p:cNvPr id="2" name="Marcador de imagen de diapositiva 1"/>
+          <p:cNvSpPr>
+            <a:spLocks noGrp="1" noRot="1" noChangeAspect="1"/>
+          </p:cNvSpPr>
+          <p:nvPr>
+            <p:ph type="sldImg"/>
+          </p:nvPr>
+        </p:nvSpPr>
+        <p:spPr/>
+      </p:sp>
+      <p:sp>
+        <p:nvSpPr>
+          <p:cNvPr id="3" name="Marcador de notas 2"/>
+          <p:cNvSpPr>
+            <a:spLocks noGrp="1"/>
+          </p:cNvSpPr>
+          <p:nvPr>
+            <p:ph type="body" idx="1"/>
+          </p:nvPr>
+        </p:nvSpPr>
+        <p:spPr/>
+        <p:txBody>
+          <a:bodyPr/>
+          <a:lstStyle/>
+          <a:p>
+            <a:pPr marL="0" marR="0" lvl="0" indent="0" algn="l" defTabSz="914400" rtl="0" eaLnBrk="1" fontAlgn="auto" latinLnBrk="0" hangingPunct="1">
+              <a:lnSpc>
+                <a:spcPct val="100000"/>
+              </a:lnSpc>
+              <a:spcBef>
+                <a:spcPts val="0"/>
+              </a:spcBef>
+              <a:spcAft>
+                <a:spcPts val="0"/>
+              </a:spcAft>
+              <a:buClrTx/>
+              <a:buSzTx/>
+              <a:buFontTx/>
+              <a:buNone/>
+              <a:tabLst/>
+              <a:defRPr/>
+            </a:pPr>
+            <a:r>
+              <a:rPr lang="es-ES" dirty="0"/>
+              <a:t>¿Qué implica en el código una Agregación?</a:t>
+            </a:r>
+          </a:p>
+          <a:p>
+            <a:endParaRPr lang="es-ES" dirty="0"/>
+          </a:p>
+        </p:txBody>
+      </p:sp>
+      <p:sp>
+        <p:nvSpPr>
+          <p:cNvPr id="4" name="Marcador de número de diapositiva 3"/>
+          <p:cNvSpPr>
+            <a:spLocks noGrp="1"/>
+          </p:cNvSpPr>
+          <p:nvPr>
+            <p:ph type="sldNum" sz="quarter" idx="5"/>
+          </p:nvPr>
+        </p:nvSpPr>
+        <p:spPr/>
+        <p:txBody>
+          <a:bodyPr/>
+          <a:lstStyle/>
+          <a:p>
+            <a:fld id="{2B187428-8AF8-455B-BDC9-B299B46AA1EA}" type="slidenum">
+              <a:rPr lang="es-ES" smtClean="0"/>
+              <a:t>14</a:t>
+            </a:fld>
+            <a:endParaRPr lang="es-ES"/>
+          </a:p>
+        </p:txBody>
+      </p:sp>
+    </p:spTree>
+    <p:extLst>
+      <p:ext uri="{BB962C8B-B14F-4D97-AF65-F5344CB8AC3E}">
+        <p14:creationId xmlns:p14="http://schemas.microsoft.com/office/powerpoint/2010/main" val="403029035"/>
+      </p:ext>
+    </p:extLst>
+  </p:cSld>
+  <p:clrMapOvr>
+    <a:masterClrMapping/>
+  </p:clrMapOvr>
+</p:notes>
+</file>
+
+<file path=ppt/notesSlides/notesSlide7.xml><?xml version="1.0" encoding="utf-8"?>
+<p:notes xmlns:a="http://schemas.openxmlformats.org/drawingml/2006/main" xmlns:r="http://schemas.openxmlformats.org/officeDocument/2006/relationships" xmlns:p="http://schemas.openxmlformats.org/presentationml/2006/main">
+  <p:cSld>
+    <p:spTree>
+      <p:nvGrpSpPr>
+        <p:cNvPr id="1" name=""/>
+        <p:cNvGrpSpPr/>
+        <p:nvPr/>
+      </p:nvGrpSpPr>
+      <p:grpSpPr>
+        <a:xfrm>
+          <a:off x="0" y="0"/>
+          <a:ext cx="0" cy="0"/>
+          <a:chOff x="0" y="0"/>
+          <a:chExt cx="0" cy="0"/>
+        </a:xfrm>
+      </p:grpSpPr>
+      <p:sp>
+        <p:nvSpPr>
+          <p:cNvPr id="2" name="Marcador de imagen de diapositiva 1"/>
+          <p:cNvSpPr>
+            <a:spLocks noGrp="1" noRot="1" noChangeAspect="1"/>
+          </p:cNvSpPr>
+          <p:nvPr>
+            <p:ph type="sldImg"/>
+          </p:nvPr>
+        </p:nvSpPr>
+        <p:spPr/>
+      </p:sp>
+      <p:sp>
+        <p:nvSpPr>
+          <p:cNvPr id="3" name="Marcador de notas 2"/>
+          <p:cNvSpPr>
+            <a:spLocks noGrp="1"/>
+          </p:cNvSpPr>
+          <p:nvPr>
+            <p:ph type="body" idx="1"/>
+          </p:nvPr>
+        </p:nvSpPr>
+        <p:spPr/>
+        <p:txBody>
+          <a:bodyPr/>
+          <a:lstStyle/>
+          <a:p>
+            <a:pPr marL="0" marR="0" lvl="0" indent="0" algn="l" defTabSz="914400" rtl="0" eaLnBrk="1" fontAlgn="auto" latinLnBrk="0" hangingPunct="1">
+              <a:lnSpc>
+                <a:spcPct val="100000"/>
+              </a:lnSpc>
+              <a:spcBef>
+                <a:spcPts val="0"/>
+              </a:spcBef>
+              <a:spcAft>
+                <a:spcPts val="0"/>
+              </a:spcAft>
+              <a:buClrTx/>
+              <a:buSzTx/>
+              <a:buFontTx/>
+              <a:buNone/>
+              <a:tabLst/>
+              <a:defRPr/>
+            </a:pPr>
+            <a:r>
+              <a:rPr lang="es-ES" dirty="0"/>
+              <a:t>¿Qué implica en el código una Composición?</a:t>
+            </a:r>
+          </a:p>
+          <a:p>
+            <a:endParaRPr lang="es-ES" dirty="0"/>
+          </a:p>
+        </p:txBody>
+      </p:sp>
+      <p:sp>
+        <p:nvSpPr>
+          <p:cNvPr id="4" name="Marcador de número de diapositiva 3"/>
+          <p:cNvSpPr>
+            <a:spLocks noGrp="1"/>
+          </p:cNvSpPr>
+          <p:nvPr>
+            <p:ph type="sldNum" sz="quarter" idx="5"/>
+          </p:nvPr>
+        </p:nvSpPr>
+        <p:spPr/>
+        <p:txBody>
+          <a:bodyPr/>
+          <a:lstStyle/>
+          <a:p>
+            <a:fld id="{2B187428-8AF8-455B-BDC9-B299B46AA1EA}" type="slidenum">
+              <a:rPr lang="es-ES" smtClean="0"/>
+              <a:t>15</a:t>
+            </a:fld>
+            <a:endParaRPr lang="es-ES"/>
+          </a:p>
+        </p:txBody>
+      </p:sp>
+    </p:spTree>
+    <p:extLst>
+      <p:ext uri="{BB962C8B-B14F-4D97-AF65-F5344CB8AC3E}">
+        <p14:creationId xmlns:p14="http://schemas.microsoft.com/office/powerpoint/2010/main" val="3558474815"/>
+      </p:ext>
+    </p:extLst>
+  </p:cSld>
+  <p:clrMapOvr>
+    <a:masterClrMapping/>
+  </p:clrMapOvr>
+</p:notes>
+</file>
+
+<file path=ppt/notesSlides/notesSlide8.xml><?xml version="1.0" encoding="utf-8"?>
+<p:notes xmlns:a="http://schemas.openxmlformats.org/drawingml/2006/main" xmlns:r="http://schemas.openxmlformats.org/officeDocument/2006/relationships" xmlns:p="http://schemas.openxmlformats.org/presentationml/2006/main">
+  <p:cSld>
+    <p:spTree>
+      <p:nvGrpSpPr>
+        <p:cNvPr id="1" name=""/>
+        <p:cNvGrpSpPr/>
+        <p:nvPr/>
+      </p:nvGrpSpPr>
+      <p:grpSpPr>
+        <a:xfrm>
+          <a:off x="0" y="0"/>
+          <a:ext cx="0" cy="0"/>
+          <a:chOff x="0" y="0"/>
+          <a:chExt cx="0" cy="0"/>
+        </a:xfrm>
+      </p:grpSpPr>
+      <p:sp>
+        <p:nvSpPr>
+          <p:cNvPr id="2" name="Marcador de imagen de diapositiva 1"/>
+          <p:cNvSpPr>
+            <a:spLocks noGrp="1" noRot="1" noChangeAspect="1"/>
+          </p:cNvSpPr>
+          <p:nvPr>
+            <p:ph type="sldImg"/>
+          </p:nvPr>
+        </p:nvSpPr>
+        <p:spPr/>
+      </p:sp>
+      <p:sp>
+        <p:nvSpPr>
+          <p:cNvPr id="3" name="Marcador de notas 2"/>
+          <p:cNvSpPr>
+            <a:spLocks noGrp="1"/>
+          </p:cNvSpPr>
+          <p:nvPr>
+            <p:ph type="body" idx="1"/>
+          </p:nvPr>
+        </p:nvSpPr>
+        <p:spPr/>
+        <p:txBody>
+          <a:bodyPr/>
+          <a:lstStyle/>
+          <a:p>
+            <a:r>
+              <a:rPr lang="es-ES" dirty="0"/>
+              <a:t>¿Qué ventajas tiene el lápiz frente al boli?</a:t>
+            </a:r>
+          </a:p>
+          <a:p>
+            <a:r>
+              <a:rPr lang="es-ES" dirty="0"/>
+              <a:t>¿Y un anuncio publicitario en una web o impreso?</a:t>
+            </a:r>
+          </a:p>
+        </p:txBody>
+      </p:sp>
+      <p:sp>
+        <p:nvSpPr>
+          <p:cNvPr id="4" name="Marcador de número de diapositiva 3"/>
+          <p:cNvSpPr>
+            <a:spLocks noGrp="1"/>
+          </p:cNvSpPr>
+          <p:nvPr>
+            <p:ph type="sldNum" sz="quarter" idx="5"/>
+          </p:nvPr>
+        </p:nvSpPr>
+        <p:spPr/>
+        <p:txBody>
+          <a:bodyPr/>
+          <a:lstStyle/>
+          <a:p>
+            <a:fld id="{2B187428-8AF8-455B-BDC9-B299B46AA1EA}" type="slidenum">
+              <a:rPr lang="es-ES" smtClean="0"/>
+              <a:t>16</a:t>
+            </a:fld>
+            <a:endParaRPr lang="es-ES"/>
+          </a:p>
+        </p:txBody>
+      </p:sp>
+    </p:spTree>
+    <p:extLst>
+      <p:ext uri="{BB962C8B-B14F-4D97-AF65-F5344CB8AC3E}">
+        <p14:creationId xmlns:p14="http://schemas.microsoft.com/office/powerpoint/2010/main" val="2164545343"/>
+      </p:ext>
+    </p:extLst>
+  </p:cSld>
+  <p:clrMapOvr>
+    <a:masterClrMapping/>
+  </p:clrMapOvr>
+</p:notes>
+</file>
+
+<file path=ppt/notesSlides/notesSlide9.xml><?xml version="1.0" encoding="utf-8"?>
+<p:notes xmlns:a="http://schemas.openxmlformats.org/drawingml/2006/main" xmlns:r="http://schemas.openxmlformats.org/officeDocument/2006/relationships" xmlns:p="http://schemas.openxmlformats.org/presentationml/2006/main">
+  <p:cSld>
+    <p:spTree>
+      <p:nvGrpSpPr>
+        <p:cNvPr id="1" name="">
+          <a:extLst>
+            <a:ext uri="{FF2B5EF4-FFF2-40B4-BE49-F238E27FC236}">
+              <a16:creationId xmlns:a16="http://schemas.microsoft.com/office/drawing/2014/main" id="{4B5FB5C9-6419-9046-BFFE-A38E578B536E}"/>
+            </a:ext>
+          </a:extLst>
+        </p:cNvPr>
+        <p:cNvGrpSpPr/>
+        <p:nvPr/>
+      </p:nvGrpSpPr>
+      <p:grpSpPr>
+        <a:xfrm>
+          <a:off x="0" y="0"/>
+          <a:ext cx="0" cy="0"/>
+          <a:chOff x="0" y="0"/>
+          <a:chExt cx="0" cy="0"/>
+        </a:xfrm>
+      </p:grpSpPr>
+      <p:sp>
+        <p:nvSpPr>
+          <p:cNvPr id="2" name="Marcador de imagen de diapositiva 1">
+            <a:extLst>
+              <a:ext uri="{FF2B5EF4-FFF2-40B4-BE49-F238E27FC236}">
+                <a16:creationId xmlns:a16="http://schemas.microsoft.com/office/drawing/2014/main" id="{DD44014B-FACB-87E8-6F22-2DC96E8715BE}"/>
+              </a:ext>
+            </a:extLst>
+          </p:cNvPr>
+          <p:cNvSpPr>
+            <a:spLocks noGrp="1" noRot="1" noChangeAspect="1"/>
+          </p:cNvSpPr>
+          <p:nvPr>
+            <p:ph type="sldImg"/>
+          </p:nvPr>
+        </p:nvSpPr>
+        <p:spPr/>
+      </p:sp>
+      <p:sp>
+        <p:nvSpPr>
+          <p:cNvPr id="3" name="Marcador de notas 2">
+            <a:extLst>
+              <a:ext uri="{FF2B5EF4-FFF2-40B4-BE49-F238E27FC236}">
+                <a16:creationId xmlns:a16="http://schemas.microsoft.com/office/drawing/2014/main" id="{371613F7-0544-0DD8-A44A-AD1AF2DA07D8}"/>
+              </a:ext>
+            </a:extLst>
+          </p:cNvPr>
+          <p:cNvSpPr>
+            <a:spLocks noGrp="1"/>
+          </p:cNvSpPr>
+          <p:nvPr>
+            <p:ph type="body" idx="1"/>
+          </p:nvPr>
+        </p:nvSpPr>
+        <p:spPr/>
+        <p:txBody>
+          <a:bodyPr/>
+          <a:lstStyle/>
+          <a:p>
+            <a:endParaRPr lang="es-ES" dirty="0"/>
+          </a:p>
+        </p:txBody>
+      </p:sp>
+      <p:sp>
+        <p:nvSpPr>
+          <p:cNvPr id="4" name="Marcador de número de diapositiva 3">
+            <a:extLst>
+              <a:ext uri="{FF2B5EF4-FFF2-40B4-BE49-F238E27FC236}">
+                <a16:creationId xmlns:a16="http://schemas.microsoft.com/office/drawing/2014/main" id="{577E97AF-A482-36AF-D6FA-88AD0F816CB1}"/>
+              </a:ext>
+            </a:extLst>
+          </p:cNvPr>
+          <p:cNvSpPr>
+            <a:spLocks noGrp="1"/>
+          </p:cNvSpPr>
+          <p:nvPr>
+            <p:ph type="sldNum" sz="quarter" idx="5"/>
+          </p:nvPr>
+        </p:nvSpPr>
+        <p:spPr/>
+        <p:txBody>
+          <a:bodyPr/>
+          <a:lstStyle/>
+          <a:p>
+            <a:fld id="{2B187428-8AF8-455B-BDC9-B299B46AA1EA}" type="slidenum">
+              <a:rPr lang="es-ES" smtClean="0"/>
+              <a:t>18</a:t>
+            </a:fld>
+            <a:endParaRPr lang="es-ES"/>
+          </a:p>
+        </p:txBody>
+      </p:sp>
+    </p:spTree>
+    <p:extLst>
+      <p:ext uri="{BB962C8B-B14F-4D97-AF65-F5344CB8AC3E}">
+        <p14:creationId xmlns:p14="http://schemas.microsoft.com/office/powerpoint/2010/main" val="1340303757"/>
       </p:ext>
     </p:extLst>
   </p:cSld>
@@ -3747,7 +4879,7 @@
           <a:p>
             <a:fld id="{ACB1A6C2-4497-4021-B992-BC7E2DD17ECA}" type="datetime1">
               <a:rPr lang="en-US" smtClean="0"/>
-              <a:t>3/3/2025</a:t>
+              <a:t>7/8/2025</a:t>
             </a:fld>
             <a:endParaRPr lang="en-US"/>
           </a:p>
@@ -5002,7 +6134,7 @@
           <a:p>
             <a:fld id="{F3DA8F42-B3BB-41A1-AB4E-8617CD9BC174}" type="datetime1">
               <a:rPr lang="en-US" smtClean="0"/>
-              <a:t>3/3/2025</a:t>
+              <a:t>7/8/2025</a:t>
             </a:fld>
             <a:endParaRPr lang="en-US"/>
           </a:p>
@@ -5397,7 +6529,7 @@
           <a:p>
             <a:fld id="{EC685CC9-6004-4391-A195-A2D4DFB5034A}" type="datetime1">
               <a:rPr lang="en-US" smtClean="0"/>
-              <a:t>3/3/2025</a:t>
+              <a:t>7/8/2025</a:t>
             </a:fld>
             <a:endParaRPr lang="en-US"/>
           </a:p>
@@ -5575,7 +6707,7 @@
           <a:p>
             <a:fld id="{D9542DED-1971-464D-AC83-85410DCF904F}" type="datetime1">
               <a:rPr lang="en-US" smtClean="0"/>
-              <a:t>3/3/2025</a:t>
+              <a:t>7/8/2025</a:t>
             </a:fld>
             <a:endParaRPr lang="en-US"/>
           </a:p>
@@ -5743,7 +6875,7 @@
           <a:p>
             <a:fld id="{7D441FF4-63D7-4E0C-B192-FD104AB33BF2}" type="datetime1">
               <a:rPr lang="en-US" smtClean="0"/>
-              <a:t>3/3/2025</a:t>
+              <a:t>7/8/2025</a:t>
             </a:fld>
             <a:endParaRPr lang="en-US"/>
           </a:p>
@@ -7185,7 +8317,7 @@
             <a:pPr algn="l"/>
             <a:r>
               <a:rPr lang="es-ES" dirty="0"/>
-              <a:t>05: UML DIAGRAMAS DE ESTADO</a:t>
+              <a:t>08: UML DIAGRAMAS DE ESTADO</a:t>
             </a:r>
           </a:p>
         </p:txBody>
@@ -7242,300 +8374,6 @@
               <a:t>1</a:t>
             </a:fld>
             <a:endParaRPr lang="es-ES"/>
-          </a:p>
-        </p:txBody>
-      </p:sp>
-      <p:sp>
-        <p:nvSpPr>
-          <p:cNvPr id="7" name="object 4">
-            <a:extLst>
-              <a:ext uri="{FF2B5EF4-FFF2-40B4-BE49-F238E27FC236}">
-                <a16:creationId xmlns:a16="http://schemas.microsoft.com/office/drawing/2014/main" id="{20AD6DD5-E1F6-64CE-2264-36D1A0206F5E}"/>
-              </a:ext>
-            </a:extLst>
-          </p:cNvPr>
-          <p:cNvSpPr txBox="1"/>
-          <p:nvPr/>
-        </p:nvSpPr>
-        <p:spPr>
-          <a:xfrm>
-            <a:off x="881459" y="4654855"/>
-            <a:ext cx="3162497" cy="249364"/>
-          </a:xfrm>
-          <a:prstGeom prst="rect">
-            <a:avLst/>
-          </a:prstGeom>
-        </p:spPr>
-        <p:txBody>
-          <a:bodyPr vert="horz" wrap="square" lIns="0" tIns="0" rIns="0" bIns="0" rtlCol="0">
-            <a:spAutoFit/>
-          </a:bodyPr>
-          <a:lstStyle/>
-          <a:p>
-            <a:pPr>
-              <a:lnSpc>
-                <a:spcPts val="2147"/>
-              </a:lnSpc>
-            </a:pPr>
-            <a:r>
-              <a:rPr sz="1400">
-                <a:solidFill>
-                  <a:schemeClr val="accent4"/>
-                </a:solidFill>
-                <a:latin typeface="MDUHDN+Century Gothic"/>
-                <a:cs typeface="MDUHDN+Century Gothic"/>
-              </a:rPr>
-              <a:t>Entornos</a:t>
-            </a:r>
-            <a:r>
-              <a:rPr sz="1400" spc="25">
-                <a:solidFill>
-                  <a:schemeClr val="accent4"/>
-                </a:solidFill>
-                <a:latin typeface="MDUHDN+Century Gothic"/>
-                <a:cs typeface="MDUHDN+Century Gothic"/>
-              </a:rPr>
-              <a:t> </a:t>
-            </a:r>
-            <a:r>
-              <a:rPr sz="1400">
-                <a:solidFill>
-                  <a:schemeClr val="accent4"/>
-                </a:solidFill>
-                <a:latin typeface="MDUHDN+Century Gothic"/>
-                <a:cs typeface="MDUHDN+Century Gothic"/>
-              </a:rPr>
-              <a:t>de</a:t>
-            </a:r>
-            <a:r>
-              <a:rPr sz="1400" spc="10">
-                <a:solidFill>
-                  <a:schemeClr val="accent4"/>
-                </a:solidFill>
-                <a:latin typeface="MDUHDN+Century Gothic"/>
-                <a:cs typeface="MDUHDN+Century Gothic"/>
-              </a:rPr>
-              <a:t> </a:t>
-            </a:r>
-            <a:r>
-              <a:rPr sz="1400">
-                <a:solidFill>
-                  <a:schemeClr val="accent4"/>
-                </a:solidFill>
-                <a:latin typeface="MDUHDN+Century Gothic"/>
-                <a:cs typeface="MDUHDN+Century Gothic"/>
-              </a:rPr>
-              <a:t>Desarrollo</a:t>
-            </a:r>
-            <a:r>
-              <a:rPr sz="1400" spc="-13">
-                <a:solidFill>
-                  <a:schemeClr val="accent4"/>
-                </a:solidFill>
-                <a:latin typeface="MDUHDN+Century Gothic"/>
-                <a:cs typeface="MDUHDN+Century Gothic"/>
-              </a:rPr>
-              <a:t> </a:t>
-            </a:r>
-            <a:endParaRPr sz="1400">
-              <a:solidFill>
-                <a:schemeClr val="accent4"/>
-              </a:solidFill>
-              <a:latin typeface="MDUHDN+Century Gothic"/>
-              <a:cs typeface="MDUHDN+Century Gothic"/>
-            </a:endParaRPr>
-          </a:p>
-        </p:txBody>
-      </p:sp>
-      <p:sp>
-        <p:nvSpPr>
-          <p:cNvPr id="8" name="object 5">
-            <a:extLst>
-              <a:ext uri="{FF2B5EF4-FFF2-40B4-BE49-F238E27FC236}">
-                <a16:creationId xmlns:a16="http://schemas.microsoft.com/office/drawing/2014/main" id="{224F4294-9767-96BB-A7D3-EBFE8CEFC64B}"/>
-              </a:ext>
-            </a:extLst>
-          </p:cNvPr>
-          <p:cNvSpPr txBox="1"/>
-          <p:nvPr/>
-        </p:nvSpPr>
-        <p:spPr>
-          <a:xfrm>
-            <a:off x="4936498" y="4990014"/>
-            <a:ext cx="3071183" cy="621260"/>
-          </a:xfrm>
-          <a:prstGeom prst="rect">
-            <a:avLst/>
-          </a:prstGeom>
-        </p:spPr>
-        <p:txBody>
-          <a:bodyPr vert="horz" wrap="square" lIns="0" tIns="0" rIns="0" bIns="0" rtlCol="0">
-            <a:spAutoFit/>
-          </a:bodyPr>
-          <a:lstStyle/>
-          <a:p>
-            <a:pPr marL="1960499" algn="r">
-              <a:lnSpc>
-                <a:spcPts val="2147"/>
-              </a:lnSpc>
-            </a:pPr>
-            <a:r>
-              <a:rPr sz="1400" err="1">
-                <a:solidFill>
-                  <a:schemeClr val="accent4"/>
-                </a:solidFill>
-                <a:latin typeface="MDUHDN+Century Gothic"/>
-                <a:cs typeface="MDUHDN+Century Gothic"/>
-              </a:rPr>
-              <a:t>versión</a:t>
-            </a:r>
-            <a:r>
-              <a:rPr sz="1400" spc="-36">
-                <a:solidFill>
-                  <a:schemeClr val="accent4"/>
-                </a:solidFill>
-                <a:latin typeface="MDUHDN+Century Gothic"/>
-                <a:cs typeface="MDUHDN+Century Gothic"/>
-              </a:rPr>
-              <a:t> </a:t>
-            </a:r>
-            <a:r>
-              <a:rPr lang="es-ES" sz="1400">
-                <a:solidFill>
-                  <a:schemeClr val="accent4"/>
-                </a:solidFill>
-                <a:latin typeface="MDUHDN+Century Gothic"/>
-                <a:cs typeface="MDUHDN+Century Gothic"/>
-              </a:rPr>
-              <a:t>24,01</a:t>
-            </a:r>
-            <a:endParaRPr sz="1400">
-              <a:solidFill>
-                <a:schemeClr val="accent4"/>
-              </a:solidFill>
-              <a:latin typeface="MDUHDN+Century Gothic"/>
-              <a:cs typeface="MDUHDN+Century Gothic"/>
-            </a:endParaRPr>
-          </a:p>
-          <a:p>
-            <a:pPr algn="r">
-              <a:lnSpc>
-                <a:spcPts val="2147"/>
-              </a:lnSpc>
-              <a:spcBef>
-                <a:spcPts val="811"/>
-              </a:spcBef>
-            </a:pPr>
-            <a:r>
-              <a:rPr sz="1400">
-                <a:solidFill>
-                  <a:schemeClr val="accent4"/>
-                </a:solidFill>
-                <a:latin typeface="MDUHDN+Century Gothic"/>
-                <a:cs typeface="MDUHDN+Century Gothic"/>
-              </a:rPr>
-              <a:t>Bajo licencia</a:t>
-            </a:r>
-            <a:r>
-              <a:rPr sz="1400" spc="-41">
-                <a:solidFill>
-                  <a:schemeClr val="accent4"/>
-                </a:solidFill>
-                <a:latin typeface="MDUHDN+Century Gothic"/>
-                <a:cs typeface="MDUHDN+Century Gothic"/>
-              </a:rPr>
-              <a:t> </a:t>
-            </a:r>
-            <a:r>
-              <a:rPr sz="1400">
-                <a:solidFill>
-                  <a:schemeClr val="accent4"/>
-                </a:solidFill>
-                <a:latin typeface="MDUHDN+Century Gothic"/>
-                <a:cs typeface="MDUHDN+Century Gothic"/>
-              </a:rPr>
-              <a:t>CC</a:t>
-            </a:r>
-            <a:r>
-              <a:rPr sz="1400" spc="-10">
-                <a:solidFill>
-                  <a:schemeClr val="accent4"/>
-                </a:solidFill>
-                <a:latin typeface="MDUHDN+Century Gothic"/>
-                <a:cs typeface="MDUHDN+Century Gothic"/>
-              </a:rPr>
-              <a:t> </a:t>
-            </a:r>
-            <a:r>
-              <a:rPr sz="1400">
-                <a:solidFill>
-                  <a:schemeClr val="accent4"/>
-                </a:solidFill>
-                <a:latin typeface="MDUHDN+Century Gothic"/>
-                <a:cs typeface="MDUHDN+Century Gothic"/>
-              </a:rPr>
-              <a:t>B</a:t>
-            </a:r>
-            <a:r>
-              <a:rPr lang="es-ES" sz="1400">
-                <a:solidFill>
-                  <a:schemeClr val="accent4"/>
-                </a:solidFill>
-                <a:latin typeface="MDUHDN+Century Gothic"/>
-                <a:cs typeface="MDUHDN+Century Gothic"/>
-              </a:rPr>
-              <a:t>Y</a:t>
-            </a:r>
-            <a:r>
-              <a:rPr lang="es-ES" sz="1400" spc="1190">
-                <a:solidFill>
-                  <a:schemeClr val="accent4"/>
-                </a:solidFill>
-                <a:latin typeface="MDUHDN+Century Gothic"/>
-                <a:cs typeface="MDUHDN+Century Gothic"/>
-              </a:rPr>
-              <a:t>-</a:t>
-            </a:r>
-            <a:r>
-              <a:rPr sz="1400">
-                <a:solidFill>
-                  <a:schemeClr val="accent4"/>
-                </a:solidFill>
-                <a:latin typeface="MDUHDN+Century Gothic"/>
-                <a:cs typeface="MDUHDN+Century Gothic"/>
-              </a:rPr>
-              <a:t>N</a:t>
-            </a:r>
-            <a:r>
-              <a:rPr lang="es-ES" sz="1400">
-                <a:solidFill>
-                  <a:schemeClr val="accent4"/>
-                </a:solidFill>
-                <a:latin typeface="MDUHDN+Century Gothic"/>
-                <a:cs typeface="MDUHDN+Century Gothic"/>
-              </a:rPr>
-              <a:t>C-</a:t>
-            </a:r>
-            <a:r>
-              <a:rPr sz="1400">
-                <a:solidFill>
-                  <a:schemeClr val="accent4"/>
-                </a:solidFill>
-                <a:latin typeface="MDUHDN+Century Gothic"/>
-                <a:cs typeface="MDUHDN+Century Gothic"/>
-              </a:rPr>
-              <a:t>SA </a:t>
-            </a:r>
-            <a:r>
-              <a:rPr sz="1400" spc="-10">
-                <a:solidFill>
-                  <a:schemeClr val="accent4"/>
-                </a:solidFill>
-                <a:latin typeface="MDUHDN+Century Gothic"/>
-                <a:cs typeface="MDUHDN+Century Gothic"/>
-              </a:rPr>
-              <a:t>4.0</a:t>
-            </a:r>
           </a:p>
         </p:txBody>
       </p:sp>
@@ -7553,8 +8391,8 @@
         </p:nvSpPr>
         <p:spPr>
           <a:xfrm>
-            <a:off x="881459" y="5060815"/>
-            <a:ext cx="3912449" cy="781432"/>
+            <a:off x="1130595" y="5606236"/>
+            <a:ext cx="3912449" cy="1057277"/>
           </a:xfrm>
           <a:prstGeom prst="rect">
             <a:avLst/>
@@ -7572,7 +8410,7 @@
               </a:lnSpc>
             </a:pPr>
             <a:r>
-              <a:rPr lang="es-ES" sz="1400">
+              <a:rPr lang="es-ES" sz="1400" dirty="0">
                 <a:solidFill>
                   <a:schemeClr val="accent4"/>
                 </a:solidFill>
@@ -7589,54 +8427,31 @@
               </a:lnSpc>
             </a:pPr>
             <a:r>
-              <a:rPr lang="es-ES" sz="1400">
+              <a:rPr lang="es-ES" sz="1400" dirty="0">
                 <a:solidFill>
                   <a:schemeClr val="accent4"/>
                 </a:solidFill>
                 <a:latin typeface="MDUHDN+Century Gothic"/>
                 <a:cs typeface="MDUHDN+Century Gothic"/>
               </a:rPr>
-              <a:t>Basado en el trabajo de Luis del</a:t>
-            </a:r>
-            <a:r>
-              <a:rPr lang="es-ES" sz="1400" spc="12">
+              <a:t>Versión 25</a:t>
+            </a:r>
+          </a:p>
+          <a:p>
+            <a:pPr>
+              <a:lnSpc>
+                <a:spcPts val="2144"/>
+              </a:lnSpc>
+            </a:pPr>
+            <a:r>
+              <a:rPr lang="es-ES" sz="1400" dirty="0">
                 <a:solidFill>
                   <a:schemeClr val="accent4"/>
                 </a:solidFill>
                 <a:latin typeface="MDUHDN+Century Gothic"/>
                 <a:cs typeface="MDUHDN+Century Gothic"/>
               </a:rPr>
-              <a:t> </a:t>
-            </a:r>
-            <a:r>
-              <a:rPr lang="es-ES" sz="1400">
-                <a:solidFill>
-                  <a:schemeClr val="accent4"/>
-                </a:solidFill>
-                <a:latin typeface="MDUHDN+Century Gothic"/>
-                <a:cs typeface="MDUHDN+Century Gothic"/>
-              </a:rPr>
-              <a:t>Moral</a:t>
-            </a:r>
-            <a:r>
-              <a:rPr lang="es-ES" sz="1400" spc="-22">
-                <a:solidFill>
-                  <a:schemeClr val="accent4"/>
-                </a:solidFill>
-                <a:latin typeface="MDUHDN+Century Gothic"/>
-                <a:cs typeface="MDUHDN+Century Gothic"/>
-              </a:rPr>
-              <a:t> </a:t>
-            </a:r>
-            <a:r>
-              <a:rPr lang="es-ES" sz="1400">
-                <a:solidFill>
-                  <a:schemeClr val="accent4"/>
-                </a:solidFill>
-                <a:latin typeface="MDUHDN+Century Gothic"/>
-                <a:cs typeface="MDUHDN+Century Gothic"/>
-              </a:rPr>
-              <a:t>Martínez</a:t>
+              <a:t>Licencia CC BY NC SA 4.0</a:t>
             </a:r>
           </a:p>
           <a:p>
@@ -7645,7 +8460,7 @@
                 <a:spcPts val="2144"/>
               </a:lnSpc>
             </a:pPr>
-            <a:endParaRPr sz="1400">
+            <a:endParaRPr sz="1400" dirty="0">
               <a:solidFill>
                 <a:schemeClr val="accent4"/>
               </a:solidFill>
@@ -7733,8 +8548,8 @@
         </p:blipFill>
         <p:spPr>
           <a:xfrm>
-            <a:off x="5754879" y="0"/>
-            <a:ext cx="3389121" cy="2439167"/>
+            <a:off x="6400800" y="1"/>
+            <a:ext cx="2743200" cy="1974294"/>
           </a:xfrm>
           <a:prstGeom prst="rect">
             <a:avLst/>
@@ -7759,13 +8574,7 @@
   <p:cSld>
     <p:spTree>
       <p:nvGrpSpPr>
-        <p:cNvPr id="1" name="">
-          <a:extLst>
-            <a:ext uri="{FF2B5EF4-FFF2-40B4-BE49-F238E27FC236}">
-              <a16:creationId xmlns:a16="http://schemas.microsoft.com/office/drawing/2014/main" id="{2CD062FF-ECFF-A8A0-C1D8-9543ACF74D39}"/>
-            </a:ext>
-          </a:extLst>
-        </p:cNvPr>
+        <p:cNvPr id="1" name=""/>
         <p:cNvGrpSpPr/>
         <p:nvPr/>
       </p:nvGrpSpPr>
@@ -7779,10 +8588,63 @@
       </p:grpSpPr>
       <p:sp>
         <p:nvSpPr>
-          <p:cNvPr id="4" name="Marcador de número de diapositiva 3">
+          <p:cNvPr id="4" name="Título 3">
             <a:extLst>
               <a:ext uri="{FF2B5EF4-FFF2-40B4-BE49-F238E27FC236}">
-                <a16:creationId xmlns:a16="http://schemas.microsoft.com/office/drawing/2014/main" id="{D08C261D-7C37-87AA-0CD5-8EFEE2611EF4}"/>
+                <a16:creationId xmlns:a16="http://schemas.microsoft.com/office/drawing/2014/main" id="{F15C69D4-5ECC-D001-5369-E01D0DC34696}"/>
+              </a:ext>
+            </a:extLst>
+          </p:cNvPr>
+          <p:cNvSpPr>
+            <a:spLocks noGrp="1"/>
+          </p:cNvSpPr>
+          <p:nvPr>
+            <p:ph type="title"/>
+          </p:nvPr>
+        </p:nvSpPr>
+        <p:spPr/>
+        <p:txBody>
+          <a:bodyPr/>
+          <a:lstStyle/>
+          <a:p>
+            <a:r>
+              <a:rPr lang="es-ES" dirty="0"/>
+              <a:t>UML</a:t>
+            </a:r>
+          </a:p>
+        </p:txBody>
+      </p:sp>
+      <p:sp>
+        <p:nvSpPr>
+          <p:cNvPr id="5" name="Marcador de texto 4">
+            <a:extLst>
+              <a:ext uri="{FF2B5EF4-FFF2-40B4-BE49-F238E27FC236}">
+                <a16:creationId xmlns:a16="http://schemas.microsoft.com/office/drawing/2014/main" id="{2715CC01-6E46-17BE-45F5-49343A4080D1}"/>
+              </a:ext>
+            </a:extLst>
+          </p:cNvPr>
+          <p:cNvSpPr>
+            <a:spLocks noGrp="1"/>
+          </p:cNvSpPr>
+          <p:nvPr>
+            <p:ph type="body" idx="1"/>
+          </p:nvPr>
+        </p:nvSpPr>
+        <p:spPr/>
+        <p:txBody>
+          <a:bodyPr/>
+          <a:lstStyle/>
+          <a:p>
+            <a:endParaRPr lang="es-ES"/>
+          </a:p>
+        </p:txBody>
+      </p:sp>
+      <p:sp>
+        <p:nvSpPr>
+          <p:cNvPr id="6" name="Marcador de número de diapositiva 5">
+            <a:extLst>
+              <a:ext uri="{FF2B5EF4-FFF2-40B4-BE49-F238E27FC236}">
+                <a16:creationId xmlns:a16="http://schemas.microsoft.com/office/drawing/2014/main" id="{D03EE945-ED2D-31F1-C5D5-9BDD0F928CAD}"/>
               </a:ext>
             </a:extLst>
           </p:cNvPr>
@@ -7806,119 +8668,10 @@
           </a:p>
         </p:txBody>
       </p:sp>
-      <p:sp>
-        <p:nvSpPr>
-          <p:cNvPr id="3" name="Marcador de contenido 2">
-            <a:extLst>
-              <a:ext uri="{FF2B5EF4-FFF2-40B4-BE49-F238E27FC236}">
-                <a16:creationId xmlns:a16="http://schemas.microsoft.com/office/drawing/2014/main" id="{D1AFCE3B-1DAF-CB6D-8C1A-10DE30F8FEC5}"/>
-              </a:ext>
-            </a:extLst>
-          </p:cNvPr>
-          <p:cNvSpPr>
-            <a:spLocks noGrp="1"/>
-          </p:cNvSpPr>
-          <p:nvPr>
-            <p:ph type="body" sz="quarter" idx="14"/>
-          </p:nvPr>
-        </p:nvSpPr>
-        <p:spPr/>
-        <p:txBody>
-          <a:bodyPr/>
-          <a:lstStyle/>
-          <a:p>
-            <a:r>
-              <a:rPr lang="es-ES">
-                <a:hlinkClick r:id="rId2"/>
-              </a:rPr>
-              <a:t>https://www.lucidchart.com/pages/es/tutorial-de-diagrama-de-clases-uml</a:t>
-            </a:r>
-            <a:r>
-              <a:rPr lang="es-ES"/>
-              <a:t> </a:t>
-            </a:r>
-          </a:p>
-        </p:txBody>
-      </p:sp>
-      <p:sp>
-        <p:nvSpPr>
-          <p:cNvPr id="2" name="Título 1">
-            <a:extLst>
-              <a:ext uri="{FF2B5EF4-FFF2-40B4-BE49-F238E27FC236}">
-                <a16:creationId xmlns:a16="http://schemas.microsoft.com/office/drawing/2014/main" id="{2AEBDB3F-E8ED-8AE0-CEA4-A505CBBF92DD}"/>
-              </a:ext>
-            </a:extLst>
-          </p:cNvPr>
-          <p:cNvSpPr>
-            <a:spLocks noGrp="1"/>
-          </p:cNvSpPr>
-          <p:nvPr>
-            <p:ph type="title"/>
-          </p:nvPr>
-        </p:nvSpPr>
-        <p:spPr/>
-        <p:txBody>
-          <a:bodyPr/>
-          <a:lstStyle/>
-          <a:p>
-            <a:r>
-              <a:rPr lang="es-ES" dirty="0"/>
-              <a:t>Ejemplos: Hotel</a:t>
-            </a:r>
-          </a:p>
-        </p:txBody>
-      </p:sp>
-      <p:pic>
-        <p:nvPicPr>
-          <p:cNvPr id="1026" name="Picture 2" descr="plantilla de diagrama de clases para administración hotelera">
-            <a:extLst>
-              <a:ext uri="{FF2B5EF4-FFF2-40B4-BE49-F238E27FC236}">
-                <a16:creationId xmlns:a16="http://schemas.microsoft.com/office/drawing/2014/main" id="{665347D5-5306-D575-4EEA-0DE35140C3B3}"/>
-              </a:ext>
-            </a:extLst>
-          </p:cNvPr>
-          <p:cNvPicPr>
-            <a:picLocks noChangeAspect="1" noChangeArrowheads="1"/>
-          </p:cNvPicPr>
-          <p:nvPr/>
-        </p:nvPicPr>
-        <p:blipFill>
-          <a:blip r:embed="rId3">
-            <a:extLst>
-              <a:ext uri="{28A0092B-C50C-407E-A947-70E740481C1C}">
-                <a14:useLocalDpi xmlns:a14="http://schemas.microsoft.com/office/drawing/2010/main" val="0"/>
-              </a:ext>
-            </a:extLst>
-          </a:blip>
-          <a:srcRect/>
-          <a:stretch>
-            <a:fillRect/>
-          </a:stretch>
-        </p:blipFill>
-        <p:spPr bwMode="auto">
-          <a:xfrm>
-            <a:off x="430917" y="980728"/>
-            <a:ext cx="7319212" cy="5267672"/>
-          </a:xfrm>
-          <a:prstGeom prst="rect">
-            <a:avLst/>
-          </a:prstGeom>
-          <a:noFill/>
-          <a:extLst>
-            <a:ext uri="{909E8E84-426E-40DD-AFC4-6F175D3DCCD1}">
-              <a14:hiddenFill xmlns:a14="http://schemas.microsoft.com/office/drawing/2010/main">
-                <a:solidFill>
-                  <a:srgbClr val="FFFFFF"/>
-                </a:solidFill>
-              </a14:hiddenFill>
-            </a:ext>
-          </a:extLst>
-        </p:spPr>
-      </p:pic>
     </p:spTree>
     <p:extLst>
       <p:ext uri="{BB962C8B-B14F-4D97-AF65-F5344CB8AC3E}">
-        <p14:creationId xmlns:p14="http://schemas.microsoft.com/office/powerpoint/2010/main" val="3809256849"/>
+        <p14:creationId xmlns:p14="http://schemas.microsoft.com/office/powerpoint/2010/main" val="126456270"/>
       </p:ext>
     </p:extLst>
   </p:cSld>
@@ -7929,185 +8682,6 @@
 </file>
 
 <file path=ppt/slides/slide11.xml><?xml version="1.0" encoding="utf-8"?>
-<p:sld xmlns:a="http://schemas.openxmlformats.org/drawingml/2006/main" xmlns:r="http://schemas.openxmlformats.org/officeDocument/2006/relationships" xmlns:p="http://schemas.openxmlformats.org/presentationml/2006/main">
-  <p:cSld>
-    <p:spTree>
-      <p:nvGrpSpPr>
-        <p:cNvPr id="1" name="">
-          <a:extLst>
-            <a:ext uri="{FF2B5EF4-FFF2-40B4-BE49-F238E27FC236}">
-              <a16:creationId xmlns:a16="http://schemas.microsoft.com/office/drawing/2014/main" id="{B776E5DA-F5CC-97A1-472B-FEEBD6AA4FF6}"/>
-            </a:ext>
-          </a:extLst>
-        </p:cNvPr>
-        <p:cNvGrpSpPr/>
-        <p:nvPr/>
-      </p:nvGrpSpPr>
-      <p:grpSpPr>
-        <a:xfrm>
-          <a:off x="0" y="0"/>
-          <a:ext cx="0" cy="0"/>
-          <a:chOff x="0" y="0"/>
-          <a:chExt cx="0" cy="0"/>
-        </a:xfrm>
-      </p:grpSpPr>
-      <p:sp>
-        <p:nvSpPr>
-          <p:cNvPr id="4" name="Marcador de número de diapositiva 3">
-            <a:extLst>
-              <a:ext uri="{FF2B5EF4-FFF2-40B4-BE49-F238E27FC236}">
-                <a16:creationId xmlns:a16="http://schemas.microsoft.com/office/drawing/2014/main" id="{58541280-F1C1-5302-F005-7AD047060CFA}"/>
-              </a:ext>
-            </a:extLst>
-          </p:cNvPr>
-          <p:cNvSpPr>
-            <a:spLocks noGrp="1"/>
-          </p:cNvSpPr>
-          <p:nvPr>
-            <p:ph type="sldNum" sz="quarter" idx="12"/>
-          </p:nvPr>
-        </p:nvSpPr>
-        <p:spPr/>
-        <p:txBody>
-          <a:bodyPr/>
-          <a:lstStyle/>
-          <a:p>
-            <a:fld id="{B6F15528-21DE-4FAA-801E-634DDDAF4B2B}" type="slidenum">
-              <a:rPr lang="es-ES" smtClean="0"/>
-              <a:t>11</a:t>
-            </a:fld>
-            <a:endParaRPr lang="es-ES"/>
-          </a:p>
-        </p:txBody>
-      </p:sp>
-      <p:sp>
-        <p:nvSpPr>
-          <p:cNvPr id="3" name="Marcador de contenido 2">
-            <a:extLst>
-              <a:ext uri="{FF2B5EF4-FFF2-40B4-BE49-F238E27FC236}">
-                <a16:creationId xmlns:a16="http://schemas.microsoft.com/office/drawing/2014/main" id="{2B24306C-0570-5D1F-2BFD-BAC4B992871F}"/>
-              </a:ext>
-            </a:extLst>
-          </p:cNvPr>
-          <p:cNvSpPr>
-            <a:spLocks noGrp="1"/>
-          </p:cNvSpPr>
-          <p:nvPr>
-            <p:ph type="body" sz="quarter" idx="14"/>
-          </p:nvPr>
-        </p:nvSpPr>
-        <p:spPr/>
-        <p:txBody>
-          <a:bodyPr/>
-          <a:lstStyle/>
-          <a:p>
-            <a:r>
-              <a:rPr lang="es-ES">
-                <a:hlinkClick r:id="rId2"/>
-              </a:rPr>
-              <a:t>https://www.edrawsoft.com/es/example-uml-class-diagram.html</a:t>
-            </a:r>
-            <a:r>
-              <a:rPr lang="es-ES"/>
-              <a:t> </a:t>
-            </a:r>
-          </a:p>
-        </p:txBody>
-      </p:sp>
-      <p:sp>
-        <p:nvSpPr>
-          <p:cNvPr id="2" name="Título 1">
-            <a:extLst>
-              <a:ext uri="{FF2B5EF4-FFF2-40B4-BE49-F238E27FC236}">
-                <a16:creationId xmlns:a16="http://schemas.microsoft.com/office/drawing/2014/main" id="{DCC97643-A7EC-4856-6FA1-CB1FB16AAF60}"/>
-              </a:ext>
-            </a:extLst>
-          </p:cNvPr>
-          <p:cNvSpPr>
-            <a:spLocks noGrp="1"/>
-          </p:cNvSpPr>
-          <p:nvPr>
-            <p:ph type="title"/>
-          </p:nvPr>
-        </p:nvSpPr>
-        <p:spPr/>
-        <p:txBody>
-          <a:bodyPr/>
-          <a:lstStyle/>
-          <a:p>
-            <a:r>
-              <a:rPr lang="es-ES" dirty="0"/>
-              <a:t>Ejemplos:</a:t>
-            </a:r>
-            <a:r>
-              <a:rPr lang="es-ES" baseline="0" dirty="0"/>
-              <a:t> Banco</a:t>
-            </a:r>
-            <a:endParaRPr lang="es-ES" dirty="0"/>
-          </a:p>
-        </p:txBody>
-      </p:sp>
-      <p:pic>
-        <p:nvPicPr>
-          <p:cNvPr id="2050" name="Picture 2" descr="Diagrama de clases para un cajero automático">
-            <a:extLst>
-              <a:ext uri="{FF2B5EF4-FFF2-40B4-BE49-F238E27FC236}">
-                <a16:creationId xmlns:a16="http://schemas.microsoft.com/office/drawing/2014/main" id="{2A3C4967-4EA8-5022-6FC7-78C0406FE507}"/>
-              </a:ext>
-            </a:extLst>
-          </p:cNvPr>
-          <p:cNvPicPr>
-            <a:picLocks noChangeAspect="1" noChangeArrowheads="1"/>
-          </p:cNvPicPr>
-          <p:nvPr/>
-        </p:nvPicPr>
-        <p:blipFill>
-          <a:blip r:embed="rId3">
-            <a:extLst>
-              <a:ext uri="{28A0092B-C50C-407E-A947-70E740481C1C}">
-                <a14:useLocalDpi xmlns:a14="http://schemas.microsoft.com/office/drawing/2010/main" val="0"/>
-              </a:ext>
-            </a:extLst>
-          </a:blip>
-          <a:srcRect/>
-          <a:stretch>
-            <a:fillRect/>
-          </a:stretch>
-        </p:blipFill>
-        <p:spPr bwMode="auto">
-          <a:xfrm>
-            <a:off x="971600" y="1062821"/>
-            <a:ext cx="6347714" cy="5251269"/>
-          </a:xfrm>
-          <a:prstGeom prst="rect">
-            <a:avLst/>
-          </a:prstGeom>
-          <a:noFill/>
-          <a:extLst>
-            <a:ext uri="{909E8E84-426E-40DD-AFC4-6F175D3DCCD1}">
-              <a14:hiddenFill xmlns:a14="http://schemas.microsoft.com/office/drawing/2010/main">
-                <a:solidFill>
-                  <a:srgbClr val="FFFFFF"/>
-                </a:solidFill>
-              </a14:hiddenFill>
-            </a:ext>
-          </a:extLst>
-        </p:spPr>
-      </p:pic>
-    </p:spTree>
-    <p:extLst>
-      <p:ext uri="{BB962C8B-B14F-4D97-AF65-F5344CB8AC3E}">
-        <p14:creationId xmlns:p14="http://schemas.microsoft.com/office/powerpoint/2010/main" val="3325289584"/>
-      </p:ext>
-    </p:extLst>
-  </p:cSld>
-  <p:clrMapOvr>
-    <a:masterClrMapping/>
-  </p:clrMapOvr>
-</p:sld>
-</file>
-
-<file path=ppt/slides/slide12.xml><?xml version="1.0" encoding="utf-8"?>
 <p:sld xmlns:a="http://schemas.openxmlformats.org/drawingml/2006/main" xmlns:r="http://schemas.openxmlformats.org/officeDocument/2006/relationships" xmlns:p="http://schemas.openxmlformats.org/presentationml/2006/main">
   <p:cSld>
     <p:spTree>
@@ -8126,118 +8700,6 @@
       </p:grpSpPr>
       <p:sp>
         <p:nvSpPr>
-          <p:cNvPr id="4" name="Título 3">
-            <a:extLst>
-              <a:ext uri="{FF2B5EF4-FFF2-40B4-BE49-F238E27FC236}">
-                <a16:creationId xmlns:a16="http://schemas.microsoft.com/office/drawing/2014/main" id="{F15C69D4-5ECC-D001-5369-E01D0DC34696}"/>
-              </a:ext>
-            </a:extLst>
-          </p:cNvPr>
-          <p:cNvSpPr>
-            <a:spLocks noGrp="1"/>
-          </p:cNvSpPr>
-          <p:nvPr>
-            <p:ph type="title"/>
-          </p:nvPr>
-        </p:nvSpPr>
-        <p:spPr/>
-        <p:txBody>
-          <a:bodyPr/>
-          <a:lstStyle/>
-          <a:p>
-            <a:r>
-              <a:rPr lang="es-ES" dirty="0"/>
-              <a:t>UML</a:t>
-            </a:r>
-          </a:p>
-        </p:txBody>
-      </p:sp>
-      <p:sp>
-        <p:nvSpPr>
-          <p:cNvPr id="5" name="Marcador de texto 4">
-            <a:extLst>
-              <a:ext uri="{FF2B5EF4-FFF2-40B4-BE49-F238E27FC236}">
-                <a16:creationId xmlns:a16="http://schemas.microsoft.com/office/drawing/2014/main" id="{2715CC01-6E46-17BE-45F5-49343A4080D1}"/>
-              </a:ext>
-            </a:extLst>
-          </p:cNvPr>
-          <p:cNvSpPr>
-            <a:spLocks noGrp="1"/>
-          </p:cNvSpPr>
-          <p:nvPr>
-            <p:ph type="body" idx="1"/>
-          </p:nvPr>
-        </p:nvSpPr>
-        <p:spPr/>
-        <p:txBody>
-          <a:bodyPr/>
-          <a:lstStyle/>
-          <a:p>
-            <a:endParaRPr lang="es-ES"/>
-          </a:p>
-        </p:txBody>
-      </p:sp>
-      <p:sp>
-        <p:nvSpPr>
-          <p:cNvPr id="6" name="Marcador de número de diapositiva 5">
-            <a:extLst>
-              <a:ext uri="{FF2B5EF4-FFF2-40B4-BE49-F238E27FC236}">
-                <a16:creationId xmlns:a16="http://schemas.microsoft.com/office/drawing/2014/main" id="{D03EE945-ED2D-31F1-C5D5-9BDD0F928CAD}"/>
-              </a:ext>
-            </a:extLst>
-          </p:cNvPr>
-          <p:cNvSpPr>
-            <a:spLocks noGrp="1"/>
-          </p:cNvSpPr>
-          <p:nvPr>
-            <p:ph type="sldNum" sz="quarter" idx="12"/>
-          </p:nvPr>
-        </p:nvSpPr>
-        <p:spPr/>
-        <p:txBody>
-          <a:bodyPr/>
-          <a:lstStyle/>
-          <a:p>
-            <a:fld id="{B6F15528-21DE-4FAA-801E-634DDDAF4B2B}" type="slidenum">
-              <a:rPr lang="es-ES" smtClean="0"/>
-              <a:t>12</a:t>
-            </a:fld>
-            <a:endParaRPr lang="es-ES"/>
-          </a:p>
-        </p:txBody>
-      </p:sp>
-    </p:spTree>
-    <p:extLst>
-      <p:ext uri="{BB962C8B-B14F-4D97-AF65-F5344CB8AC3E}">
-        <p14:creationId xmlns:p14="http://schemas.microsoft.com/office/powerpoint/2010/main" val="126456270"/>
-      </p:ext>
-    </p:extLst>
-  </p:cSld>
-  <p:clrMapOvr>
-    <a:masterClrMapping/>
-  </p:clrMapOvr>
-</p:sld>
-</file>
-
-<file path=ppt/slides/slide13.xml><?xml version="1.0" encoding="utf-8"?>
-<p:sld xmlns:a="http://schemas.openxmlformats.org/drawingml/2006/main" xmlns:r="http://schemas.openxmlformats.org/officeDocument/2006/relationships" xmlns:p="http://schemas.openxmlformats.org/presentationml/2006/main">
-  <p:cSld>
-    <p:spTree>
-      <p:nvGrpSpPr>
-        <p:cNvPr id="1" name=""/>
-        <p:cNvGrpSpPr/>
-        <p:nvPr/>
-      </p:nvGrpSpPr>
-      <p:grpSpPr>
-        <a:xfrm>
-          <a:off x="0" y="0"/>
-          <a:ext cx="0" cy="0"/>
-          <a:chOff x="0" y="0"/>
-          <a:chExt cx="0" cy="0"/>
-        </a:xfrm>
-      </p:grpSpPr>
-      <p:sp>
-        <p:nvSpPr>
           <p:cNvPr id="4" name="Marcador de número de diapositiva 3">
             <a:extLst>
               <a:ext uri="{FF2B5EF4-FFF2-40B4-BE49-F238E27FC236}">
@@ -8259,7 +8721,7 @@
           <a:p>
             <a:fld id="{B6F15528-21DE-4FAA-801E-634DDDAF4B2B}" type="slidenum">
               <a:rPr lang="es-ES" smtClean="0"/>
-              <a:t>13</a:t>
+              <a:t>11</a:t>
             </a:fld>
             <a:endParaRPr lang="es-ES"/>
           </a:p>
@@ -8516,7 +8978,7 @@
           <a:p>
             <a:r>
               <a:rPr lang="es-ES" dirty="0"/>
-              <a:t>6. DIAGRAMAS DE CLASES UML</a:t>
+              <a:t>3. DIAGRAMAS DE CLASES UML</a:t>
             </a:r>
           </a:p>
         </p:txBody>
@@ -9174,59 +9636,6 @@
           </a:graphicData>
         </a:graphic>
       </p:graphicFrame>
-      <p:sp>
-        <p:nvSpPr>
-          <p:cNvPr id="7" name="CuadroTexto 6">
-            <a:extLst>
-              <a:ext uri="{FF2B5EF4-FFF2-40B4-BE49-F238E27FC236}">
-                <a16:creationId xmlns:a16="http://schemas.microsoft.com/office/drawing/2014/main" id="{FDBE2E9A-F7AE-70FA-FE83-A792F3D1190E}"/>
-              </a:ext>
-            </a:extLst>
-          </p:cNvPr>
-          <p:cNvSpPr txBox="1"/>
-          <p:nvPr/>
-        </p:nvSpPr>
-        <p:spPr>
-          <a:xfrm>
-            <a:off x="4769427" y="4925290"/>
-            <a:ext cx="2743200" cy="365760"/>
-          </a:xfrm>
-          <a:prstGeom prst="rect">
-            <a:avLst/>
-          </a:prstGeom>
-        </p:spPr>
-        <p:style>
-          <a:lnRef idx="2">
-            <a:schemeClr val="accent5">
-              <a:shade val="15000"/>
-            </a:schemeClr>
-          </a:lnRef>
-          <a:fillRef idx="1">
-            <a:schemeClr val="accent5"/>
-          </a:fillRef>
-          <a:effectRef idx="0">
-            <a:schemeClr val="accent5"/>
-          </a:effectRef>
-          <a:fontRef idx="minor">
-            <a:schemeClr val="lt1"/>
-          </a:fontRef>
-        </p:style>
-        <p:txBody>
-          <a:bodyPr rot="0" spcFirstLastPara="0" vertOverflow="overflow" horzOverflow="overflow" vert="horz" wrap="square" lIns="91440" tIns="45720" rIns="91440" bIns="45720" numCol="1" spcCol="0" rtlCol="0" fromWordArt="0" anchor="t" anchorCtr="0" forceAA="0" compatLnSpc="1">
-            <a:prstTxWarp prst="textNoShape">
-              <a:avLst/>
-            </a:prstTxWarp>
-            <a:spAutoFit/>
-          </a:bodyPr>
-          <a:lstStyle/>
-          <a:p>
-            <a:r>
-              <a:rPr lang="es-ES" dirty="0"/>
-              <a:t>ABRIR TAREA 01</a:t>
-            </a:r>
-          </a:p>
-        </p:txBody>
-      </p:sp>
     </p:spTree>
     <p:extLst>
       <p:ext uri="{BB962C8B-B14F-4D97-AF65-F5344CB8AC3E}">
@@ -9240,7 +9649,149 @@
 </p:sld>
 </file>
 
-<file path=ppt/slides/slide14.xml><?xml version="1.0" encoding="utf-8"?>
+<file path=ppt/slides/slide12.xml><?xml version="1.0" encoding="utf-8"?>
+<p:sld xmlns:a="http://schemas.openxmlformats.org/drawingml/2006/main" xmlns:r="http://schemas.openxmlformats.org/officeDocument/2006/relationships" xmlns:p="http://schemas.openxmlformats.org/presentationml/2006/main">
+  <p:cSld>
+    <p:spTree>
+      <p:nvGrpSpPr>
+        <p:cNvPr id="1" name="">
+          <a:extLst>
+            <a:ext uri="{FF2B5EF4-FFF2-40B4-BE49-F238E27FC236}">
+              <a16:creationId xmlns:a16="http://schemas.microsoft.com/office/drawing/2014/main" id="{90C88F87-6CC1-B244-20D4-7A4E216F6A63}"/>
+            </a:ext>
+          </a:extLst>
+        </p:cNvPr>
+        <p:cNvGrpSpPr/>
+        <p:nvPr/>
+      </p:nvGrpSpPr>
+      <p:grpSpPr>
+        <a:xfrm>
+          <a:off x="0" y="0"/>
+          <a:ext cx="0" cy="0"/>
+          <a:chOff x="0" y="0"/>
+          <a:chExt cx="0" cy="0"/>
+        </a:xfrm>
+      </p:grpSpPr>
+      <p:sp>
+        <p:nvSpPr>
+          <p:cNvPr id="4" name="Marcador de número de diapositiva 3">
+            <a:extLst>
+              <a:ext uri="{FF2B5EF4-FFF2-40B4-BE49-F238E27FC236}">
+                <a16:creationId xmlns:a16="http://schemas.microsoft.com/office/drawing/2014/main" id="{45F1485F-C814-3E28-1E63-4515F2490BF6}"/>
+              </a:ext>
+            </a:extLst>
+          </p:cNvPr>
+          <p:cNvSpPr>
+            <a:spLocks noGrp="1"/>
+          </p:cNvSpPr>
+          <p:nvPr>
+            <p:ph type="sldNum" sz="quarter" idx="12"/>
+          </p:nvPr>
+        </p:nvSpPr>
+        <p:spPr/>
+        <p:txBody>
+          <a:bodyPr/>
+          <a:lstStyle/>
+          <a:p>
+            <a:fld id="{B6F15528-21DE-4FAA-801E-634DDDAF4B2B}" type="slidenum">
+              <a:rPr lang="es-ES" smtClean="0"/>
+              <a:t>12</a:t>
+            </a:fld>
+            <a:endParaRPr lang="es-ES"/>
+          </a:p>
+        </p:txBody>
+      </p:sp>
+      <p:sp>
+        <p:nvSpPr>
+          <p:cNvPr id="2" name="Título 1">
+            <a:extLst>
+              <a:ext uri="{FF2B5EF4-FFF2-40B4-BE49-F238E27FC236}">
+                <a16:creationId xmlns:a16="http://schemas.microsoft.com/office/drawing/2014/main" id="{A470792D-9AB3-0D96-3133-F32280B9759B}"/>
+              </a:ext>
+            </a:extLst>
+          </p:cNvPr>
+          <p:cNvSpPr>
+            <a:spLocks noGrp="1"/>
+          </p:cNvSpPr>
+          <p:nvPr>
+            <p:ph type="title"/>
+          </p:nvPr>
+        </p:nvSpPr>
+        <p:spPr/>
+        <p:txBody>
+          <a:bodyPr>
+            <a:normAutofit/>
+          </a:bodyPr>
+          <a:lstStyle/>
+          <a:p>
+            <a:r>
+              <a:rPr lang="es-ES" dirty="0"/>
+              <a:t>3. TAREA ED5b0801</a:t>
+            </a:r>
+          </a:p>
+        </p:txBody>
+      </p:sp>
+      <p:sp>
+        <p:nvSpPr>
+          <p:cNvPr id="9" name="Marcador de texto 8">
+            <a:extLst>
+              <a:ext uri="{FF2B5EF4-FFF2-40B4-BE49-F238E27FC236}">
+                <a16:creationId xmlns:a16="http://schemas.microsoft.com/office/drawing/2014/main" id="{6E43A624-A297-B505-0E9E-A974120BB173}"/>
+              </a:ext>
+            </a:extLst>
+          </p:cNvPr>
+          <p:cNvSpPr>
+            <a:spLocks noGrp="1"/>
+          </p:cNvSpPr>
+          <p:nvPr>
+            <p:ph type="body" sz="quarter" idx="14"/>
+          </p:nvPr>
+        </p:nvSpPr>
+        <p:spPr>
+          <a:xfrm>
+            <a:off x="101600" y="621792"/>
+            <a:ext cx="8707438" cy="2121408"/>
+          </a:xfrm>
+        </p:spPr>
+        <p:txBody>
+          <a:bodyPr>
+            <a:normAutofit/>
+          </a:bodyPr>
+          <a:lstStyle/>
+          <a:p>
+            <a:r>
+              <a:rPr lang="es-ES" dirty="0"/>
+              <a:t>Enunciado en el repositorio</a:t>
+            </a:r>
+          </a:p>
+          <a:p>
+            <a:r>
+              <a:rPr lang="es-ES" dirty="0"/>
+              <a:t>Herramientas para realizar diagramas UML</a:t>
+            </a:r>
+          </a:p>
+          <a:p>
+            <a:r>
+              <a:rPr lang="es-ES" dirty="0"/>
+              <a:t>Realiza un videotutorial</a:t>
+            </a:r>
+          </a:p>
+        </p:txBody>
+      </p:sp>
+    </p:spTree>
+    <p:extLst>
+      <p:ext uri="{BB962C8B-B14F-4D97-AF65-F5344CB8AC3E}">
+        <p14:creationId xmlns:p14="http://schemas.microsoft.com/office/powerpoint/2010/main" val="692600546"/>
+      </p:ext>
+    </p:extLst>
+  </p:cSld>
+  <p:clrMapOvr>
+    <a:masterClrMapping/>
+  </p:clrMapOvr>
+</p:sld>
+</file>
+
+<file path=ppt/slides/slide13.xml><?xml version="1.0" encoding="utf-8"?>
 <p:sld xmlns:a="http://schemas.openxmlformats.org/drawingml/2006/main" xmlns:r="http://schemas.openxmlformats.org/officeDocument/2006/relationships" xmlns:p="http://schemas.openxmlformats.org/presentationml/2006/main">
   <p:cSld>
     <p:spTree>
@@ -9280,7 +9831,7 @@
           <a:p>
             <a:fld id="{B6F15528-21DE-4FAA-801E-634DDDAF4B2B}" type="slidenum">
               <a:rPr lang="es-ES" smtClean="0"/>
-              <a:t>14</a:t>
+              <a:t>13</a:t>
             </a:fld>
             <a:endParaRPr lang="es-ES"/>
           </a:p>
@@ -9411,7 +9962,7 @@
           <a:p>
             <a:r>
               <a:rPr lang="es-ES" dirty="0"/>
-              <a:t>6. DIAGRAMAS DE CLASES</a:t>
+              <a:t>3. DIAGRAMAS DE CLASES</a:t>
             </a:r>
           </a:p>
         </p:txBody>
@@ -9431,7 +9982,7 @@
           <p:nvPr/>
         </p:nvPicPr>
         <p:blipFill>
-          <a:blip r:embed="rId2"/>
+          <a:blip r:embed="rId3"/>
           <a:stretch>
             <a:fillRect/>
           </a:stretch>
@@ -9461,7 +10012,7 @@
           <p:nvPr/>
         </p:nvPicPr>
         <p:blipFill>
-          <a:blip r:embed="rId3"/>
+          <a:blip r:embed="rId4"/>
           <a:stretch>
             <a:fillRect/>
           </a:stretch>
@@ -9528,7 +10079,7 @@
 </p:sld>
 </file>
 
-<file path=ppt/slides/slide15.xml><?xml version="1.0" encoding="utf-8"?>
+<file path=ppt/slides/slide14.xml><?xml version="1.0" encoding="utf-8"?>
 <p:sld xmlns:a="http://schemas.openxmlformats.org/drawingml/2006/main" xmlns:r="http://schemas.openxmlformats.org/officeDocument/2006/relationships" xmlns:p="http://schemas.openxmlformats.org/presentationml/2006/main">
   <p:cSld>
     <p:spTree>
@@ -9568,7 +10119,7 @@
           <a:p>
             <a:fld id="{B6F15528-21DE-4FAA-801E-634DDDAF4B2B}" type="slidenum">
               <a:rPr lang="es-ES" smtClean="0"/>
-              <a:t>15</a:t>
+              <a:t>14</a:t>
             </a:fld>
             <a:endParaRPr lang="es-ES"/>
           </a:p>
@@ -9701,7 +10252,7 @@
           <a:p>
             <a:r>
               <a:rPr lang="es-ES" dirty="0"/>
-              <a:t>6. DIAGRAMAS DE CLASES</a:t>
+              <a:t>3. DIAGRAMAS DE CLASES</a:t>
             </a:r>
           </a:p>
         </p:txBody>
@@ -9721,7 +10272,7 @@
           <p:nvPr/>
         </p:nvPicPr>
         <p:blipFill>
-          <a:blip r:embed="rId2"/>
+          <a:blip r:embed="rId3"/>
           <a:stretch>
             <a:fillRect/>
           </a:stretch>
@@ -9751,7 +10302,7 @@
           <p:nvPr/>
         </p:nvPicPr>
         <p:blipFill>
-          <a:blip r:embed="rId3"/>
+          <a:blip r:embed="rId4"/>
           <a:stretch>
             <a:fillRect/>
           </a:stretch>
@@ -9779,7 +10330,7 @@
 </p:sld>
 </file>
 
-<file path=ppt/slides/slide16.xml><?xml version="1.0" encoding="utf-8"?>
+<file path=ppt/slides/slide15.xml><?xml version="1.0" encoding="utf-8"?>
 <p:sld xmlns:a="http://schemas.openxmlformats.org/drawingml/2006/main" xmlns:r="http://schemas.openxmlformats.org/officeDocument/2006/relationships" xmlns:p="http://schemas.openxmlformats.org/presentationml/2006/main">
   <p:cSld>
     <p:spTree>
@@ -9819,7 +10370,7 @@
           <a:p>
             <a:fld id="{B6F15528-21DE-4FAA-801E-634DDDAF4B2B}" type="slidenum">
               <a:rPr lang="es-ES" smtClean="0"/>
-              <a:t>16</a:t>
+              <a:t>15</a:t>
             </a:fld>
             <a:endParaRPr lang="es-ES"/>
           </a:p>
@@ -9945,7 +10496,7 @@
           <a:p>
             <a:r>
               <a:rPr lang="es-ES" dirty="0"/>
-              <a:t>6. DIAGRAMAS DE CLASES</a:t>
+              <a:t>3. DIAGRAMAS DE CLASES</a:t>
             </a:r>
           </a:p>
         </p:txBody>
@@ -9965,7 +10516,7 @@
           <p:nvPr/>
         </p:nvPicPr>
         <p:blipFill>
-          <a:blip r:embed="rId2"/>
+          <a:blip r:embed="rId3"/>
           <a:stretch>
             <a:fillRect/>
           </a:stretch>
@@ -9995,7 +10546,7 @@
           <p:nvPr/>
         </p:nvPicPr>
         <p:blipFill>
-          <a:blip r:embed="rId3"/>
+          <a:blip r:embed="rId4"/>
           <a:stretch>
             <a:fillRect/>
           </a:stretch>
@@ -10023,7 +10574,7 @@
 </p:sld>
 </file>
 
-<file path=ppt/slides/slide17.xml><?xml version="1.0" encoding="utf-8"?>
+<file path=ppt/slides/slide16.xml><?xml version="1.0" encoding="utf-8"?>
 <p:sld xmlns:a="http://schemas.openxmlformats.org/drawingml/2006/main" xmlns:r="http://schemas.openxmlformats.org/officeDocument/2006/relationships" xmlns:p="http://schemas.openxmlformats.org/presentationml/2006/main">
   <p:cSld>
     <p:spTree>
@@ -10063,7 +10614,7 @@
           <a:p>
             <a:fld id="{B6F15528-21DE-4FAA-801E-634DDDAF4B2B}" type="slidenum">
               <a:rPr lang="es-ES" smtClean="0"/>
-              <a:t>17</a:t>
+              <a:t>16</a:t>
             </a:fld>
             <a:endParaRPr lang="es-ES"/>
           </a:p>
@@ -10146,7 +10697,7 @@
           <a:p>
             <a:r>
               <a:rPr lang="es-ES" dirty="0"/>
-              <a:t>6. DIAGRAMAS DE CLASES</a:t>
+              <a:t>3. DIAGRAMAS DE CLASES</a:t>
             </a:r>
           </a:p>
         </p:txBody>
@@ -10166,7 +10717,7 @@
           <p:nvPr/>
         </p:nvPicPr>
         <p:blipFill rotWithShape="1">
-          <a:blip r:embed="rId2"/>
+          <a:blip r:embed="rId3"/>
           <a:srcRect l="52778" t="36402"/>
           <a:stretch/>
         </p:blipFill>
@@ -10195,7 +10746,7 @@
           <p:nvPr/>
         </p:nvPicPr>
         <p:blipFill>
-          <a:blip r:embed="rId3"/>
+          <a:blip r:embed="rId4"/>
           <a:stretch>
             <a:fillRect/>
           </a:stretch>
@@ -10223,7 +10774,7 @@
 </p:sld>
 </file>
 
-<file path=ppt/slides/slide18.xml><?xml version="1.0" encoding="utf-8"?>
+<file path=ppt/slides/slide17.xml><?xml version="1.0" encoding="utf-8"?>
 <p:sld xmlns:a="http://schemas.openxmlformats.org/drawingml/2006/main" xmlns:r="http://schemas.openxmlformats.org/officeDocument/2006/relationships" xmlns:p="http://schemas.openxmlformats.org/presentationml/2006/main">
   <p:cSld>
     <p:spTree>
@@ -10269,7 +10820,7 @@
           <a:p>
             <a:fld id="{B6F15528-21DE-4FAA-801E-634DDDAF4B2B}" type="slidenum">
               <a:rPr lang="es-ES" smtClean="0"/>
-              <a:t>18</a:t>
+              <a:t>17</a:t>
             </a:fld>
             <a:endParaRPr lang="es-ES"/>
           </a:p>
@@ -10392,7 +10943,7 @@
           <a:p>
             <a:r>
               <a:rPr lang="es-ES" dirty="0"/>
-              <a:t>6. DIAGRAMAS DE CLASES</a:t>
+              <a:t>3. DIAGRAMAS DE CLASES</a:t>
             </a:r>
           </a:p>
         </p:txBody>
@@ -10470,6 +11021,140 @@
 </p:sld>
 </file>
 
+<file path=ppt/slides/slide18.xml><?xml version="1.0" encoding="utf-8"?>
+<p:sld xmlns:a="http://schemas.openxmlformats.org/drawingml/2006/main" xmlns:r="http://schemas.openxmlformats.org/officeDocument/2006/relationships" xmlns:p="http://schemas.openxmlformats.org/presentationml/2006/main">
+  <p:cSld>
+    <p:spTree>
+      <p:nvGrpSpPr>
+        <p:cNvPr id="1" name="">
+          <a:extLst>
+            <a:ext uri="{FF2B5EF4-FFF2-40B4-BE49-F238E27FC236}">
+              <a16:creationId xmlns:a16="http://schemas.microsoft.com/office/drawing/2014/main" id="{0F67EEFB-44C6-4391-2152-624BDCA41A79}"/>
+            </a:ext>
+          </a:extLst>
+        </p:cNvPr>
+        <p:cNvGrpSpPr/>
+        <p:nvPr/>
+      </p:nvGrpSpPr>
+      <p:grpSpPr>
+        <a:xfrm>
+          <a:off x="0" y="0"/>
+          <a:ext cx="0" cy="0"/>
+          <a:chOff x="0" y="0"/>
+          <a:chExt cx="0" cy="0"/>
+        </a:xfrm>
+      </p:grpSpPr>
+      <p:sp>
+        <p:nvSpPr>
+          <p:cNvPr id="4" name="Marcador de número de diapositiva 3">
+            <a:extLst>
+              <a:ext uri="{FF2B5EF4-FFF2-40B4-BE49-F238E27FC236}">
+                <a16:creationId xmlns:a16="http://schemas.microsoft.com/office/drawing/2014/main" id="{A4FE67B4-59AB-277D-0704-731304EF2972}"/>
+              </a:ext>
+            </a:extLst>
+          </p:cNvPr>
+          <p:cNvSpPr>
+            <a:spLocks noGrp="1"/>
+          </p:cNvSpPr>
+          <p:nvPr>
+            <p:ph type="sldNum" sz="quarter" idx="12"/>
+          </p:nvPr>
+        </p:nvSpPr>
+        <p:spPr/>
+        <p:txBody>
+          <a:bodyPr/>
+          <a:lstStyle/>
+          <a:p>
+            <a:fld id="{B6F15528-21DE-4FAA-801E-634DDDAF4B2B}" type="slidenum">
+              <a:rPr lang="es-ES" smtClean="0"/>
+              <a:t>18</a:t>
+            </a:fld>
+            <a:endParaRPr lang="es-ES"/>
+          </a:p>
+        </p:txBody>
+      </p:sp>
+      <p:sp>
+        <p:nvSpPr>
+          <p:cNvPr id="2" name="Título 1">
+            <a:extLst>
+              <a:ext uri="{FF2B5EF4-FFF2-40B4-BE49-F238E27FC236}">
+                <a16:creationId xmlns:a16="http://schemas.microsoft.com/office/drawing/2014/main" id="{BB537EC2-557B-28C1-B9F0-D130A133E8B3}"/>
+              </a:ext>
+            </a:extLst>
+          </p:cNvPr>
+          <p:cNvSpPr>
+            <a:spLocks noGrp="1"/>
+          </p:cNvSpPr>
+          <p:nvPr>
+            <p:ph type="title"/>
+          </p:nvPr>
+        </p:nvSpPr>
+        <p:spPr/>
+        <p:txBody>
+          <a:bodyPr>
+            <a:normAutofit/>
+          </a:bodyPr>
+          <a:lstStyle/>
+          <a:p>
+            <a:r>
+              <a:rPr lang="es-ES" dirty="0"/>
+              <a:t>3. TAREA ED5ce0802</a:t>
+            </a:r>
+          </a:p>
+        </p:txBody>
+      </p:sp>
+      <p:sp>
+        <p:nvSpPr>
+          <p:cNvPr id="9" name="Marcador de texto 8">
+            <a:extLst>
+              <a:ext uri="{FF2B5EF4-FFF2-40B4-BE49-F238E27FC236}">
+                <a16:creationId xmlns:a16="http://schemas.microsoft.com/office/drawing/2014/main" id="{8B008C99-BD9D-DA57-86F0-312B64509D53}"/>
+              </a:ext>
+            </a:extLst>
+          </p:cNvPr>
+          <p:cNvSpPr>
+            <a:spLocks noGrp="1"/>
+          </p:cNvSpPr>
+          <p:nvPr>
+            <p:ph type="body" sz="quarter" idx="14"/>
+          </p:nvPr>
+        </p:nvSpPr>
+        <p:spPr>
+          <a:xfrm>
+            <a:off x="101600" y="621792"/>
+            <a:ext cx="8707438" cy="1282929"/>
+          </a:xfrm>
+        </p:spPr>
+        <p:txBody>
+          <a:bodyPr/>
+          <a:lstStyle/>
+          <a:p>
+            <a:r>
+              <a:rPr lang="es-ES" dirty="0"/>
+              <a:t>Describe diagramas UML y escribe el código correspondiente</a:t>
+            </a:r>
+          </a:p>
+          <a:p>
+            <a:r>
+              <a:rPr lang="es-ES" dirty="0"/>
+              <a:t>Enunciado en el repositorio</a:t>
+            </a:r>
+          </a:p>
+        </p:txBody>
+      </p:sp>
+    </p:spTree>
+    <p:extLst>
+      <p:ext uri="{BB962C8B-B14F-4D97-AF65-F5344CB8AC3E}">
+        <p14:creationId xmlns:p14="http://schemas.microsoft.com/office/powerpoint/2010/main" val="3099558668"/>
+      </p:ext>
+    </p:extLst>
+  </p:cSld>
+  <p:clrMapOvr>
+    <a:masterClrMapping/>
+  </p:clrMapOvr>
+</p:sld>
+</file>
+
 <file path=ppt/slides/slide19.xml><?xml version="1.0" encoding="utf-8"?>
 <p:sld xmlns:a="http://schemas.openxmlformats.org/drawingml/2006/main" xmlns:r="http://schemas.openxmlformats.org/officeDocument/2006/relationships" xmlns:p="http://schemas.openxmlformats.org/presentationml/2006/main">
   <p:cSld>
@@ -10671,7 +11356,7 @@
           <a:p>
             <a:r>
               <a:rPr lang="es-ES" dirty="0"/>
-              <a:t>6. DIAGRAMAS DE CLASES</a:t>
+              <a:t>3. DIAGRAMAS DE CLASES</a:t>
             </a:r>
           </a:p>
         </p:txBody>
@@ -10842,7 +11527,7 @@
             <a:pPr lvl="1"/>
             <a:r>
               <a:rPr lang="es-ES" dirty="0"/>
-              <a:t>5.d	Se han trazado diagramas de clases a partir de las especificaciones de las mismas.</a:t>
+              <a:t>5.d	Se han trazado diagramas de clases a partir de las especificaciones de estas.</a:t>
             </a:r>
           </a:p>
           <a:p>
@@ -11056,7 +11741,7 @@
           <a:p>
             <a:r>
               <a:rPr lang="es-ES" dirty="0"/>
-              <a:t>6. DIAGRAMAS DE CLASES</a:t>
+              <a:t>3. DIAGRAMAS DE CLASES</a:t>
             </a:r>
           </a:p>
         </p:txBody>
@@ -11332,7 +12017,7 @@
           <a:p>
             <a:r>
               <a:rPr lang="es-ES" dirty="0"/>
-              <a:t>6. DIAGRAMAS DE CLASES</a:t>
+              <a:t>3. DIAGRAMAS DE CLASES</a:t>
             </a:r>
           </a:p>
         </p:txBody>
@@ -11385,7 +12070,13 @@
   <p:cSld>
     <p:spTree>
       <p:nvGrpSpPr>
-        <p:cNvPr id="1" name=""/>
+        <p:cNvPr id="1" name="">
+          <a:extLst>
+            <a:ext uri="{FF2B5EF4-FFF2-40B4-BE49-F238E27FC236}">
+              <a16:creationId xmlns:a16="http://schemas.microsoft.com/office/drawing/2014/main" id="{6A4C686C-F8EF-8A4B-84E1-70476DD8F49B}"/>
+            </a:ext>
+          </a:extLst>
+        </p:cNvPr>
         <p:cNvGrpSpPr/>
         <p:nvPr/>
       </p:nvGrpSpPr>
@@ -11402,7 +12093,7 @@
           <p:cNvPr id="4" name="Marcador de número de diapositiva 3">
             <a:extLst>
               <a:ext uri="{FF2B5EF4-FFF2-40B4-BE49-F238E27FC236}">
-                <a16:creationId xmlns:a16="http://schemas.microsoft.com/office/drawing/2014/main" id="{9D1F1181-60FE-0722-D488-7F3158228278}"/>
+                <a16:creationId xmlns:a16="http://schemas.microsoft.com/office/drawing/2014/main" id="{6324759B-728C-6FFA-97C9-EBB89D4D650E}"/>
               </a:ext>
             </a:extLst>
           </p:cNvPr>
@@ -11428,119 +12119,10 @@
       </p:sp>
       <p:sp>
         <p:nvSpPr>
-          <p:cNvPr id="3" name="Marcador de contenido 2">
-            <a:extLst>
-              <a:ext uri="{FF2B5EF4-FFF2-40B4-BE49-F238E27FC236}">
-                <a16:creationId xmlns:a16="http://schemas.microsoft.com/office/drawing/2014/main" id="{BBD2C6B3-99D2-B9CC-5F50-ADD31ADFF127}"/>
-              </a:ext>
-            </a:extLst>
-          </p:cNvPr>
-          <p:cNvSpPr>
-            <a:spLocks noGrp="1"/>
-          </p:cNvSpPr>
-          <p:nvPr>
-            <p:ph type="body" sz="quarter" idx="14"/>
-          </p:nvPr>
-        </p:nvSpPr>
-        <p:spPr/>
-        <p:txBody>
-          <a:bodyPr numCol="1">
-            <a:normAutofit/>
-          </a:bodyPr>
-          <a:lstStyle/>
-          <a:p>
-            <a:r>
-              <a:rPr lang="es-ES" dirty="0"/>
-              <a:t>PASOS</a:t>
-            </a:r>
-          </a:p>
-          <a:p>
-            <a:pPr>
-              <a:buFont typeface="+mj-lt"/>
-              <a:buAutoNum type="arabicPeriod"/>
-            </a:pPr>
-            <a:r>
-              <a:rPr lang="es-ES" dirty="0"/>
-              <a:t>Detectar las clases</a:t>
-            </a:r>
-          </a:p>
-          <a:p>
-            <a:pPr lvl="1"/>
-            <a:r>
-              <a:rPr lang="es-ES" dirty="0"/>
-              <a:t>Buscar en los sustantivos</a:t>
-            </a:r>
-          </a:p>
-          <a:p>
-            <a:pPr lvl="1"/>
-            <a:r>
-              <a:rPr lang="es-ES" dirty="0"/>
-              <a:t>Deben tener atributos y métodos…</a:t>
-            </a:r>
-          </a:p>
-          <a:p>
-            <a:pPr>
-              <a:buFont typeface="+mj-lt"/>
-              <a:buAutoNum type="arabicPeriod"/>
-            </a:pPr>
-            <a:r>
-              <a:rPr lang="es-ES" dirty="0"/>
-              <a:t>Buscar las relaciones</a:t>
-            </a:r>
-          </a:p>
-          <a:p>
-            <a:pPr lvl="1"/>
-            <a:r>
-              <a:rPr lang="es-ES" dirty="0"/>
-              <a:t>Los clientes REALIZAN pedidos…</a:t>
-            </a:r>
-          </a:p>
-          <a:p>
-            <a:pPr lvl="1"/>
-            <a:r>
-              <a:rPr lang="es-ES" dirty="0"/>
-              <a:t>Los vehículos RECORREN rutas…</a:t>
-            </a:r>
-          </a:p>
-          <a:p>
-            <a:pPr>
-              <a:buFont typeface="+mj-lt"/>
-              <a:buAutoNum type="arabicPeriod"/>
-            </a:pPr>
-            <a:r>
-              <a:rPr lang="es-ES" dirty="0"/>
-              <a:t>Analizar posibles generalizaciones (herencia)</a:t>
-            </a:r>
-          </a:p>
-          <a:p>
-            <a:pPr lvl="1"/>
-            <a:r>
-              <a:rPr lang="es-ES" dirty="0"/>
-              <a:t>Se comparten atributos o métodos en distintas clases</a:t>
-            </a:r>
-          </a:p>
-          <a:p>
-            <a:pPr>
-              <a:buFont typeface="+mj-lt"/>
-              <a:buAutoNum type="arabicPeriod"/>
-            </a:pPr>
-            <a:r>
-              <a:rPr lang="es-ES" dirty="0"/>
-              <a:t>Si no se indica expresamente, detalla un tipo de dato adecuado</a:t>
-            </a:r>
-          </a:p>
-          <a:p>
-            <a:pPr lvl="1"/>
-            <a:endParaRPr lang="es-ES" dirty="0"/>
-          </a:p>
-        </p:txBody>
-      </p:sp>
-      <p:sp>
-        <p:nvSpPr>
           <p:cNvPr id="2" name="Título 1">
             <a:extLst>
               <a:ext uri="{FF2B5EF4-FFF2-40B4-BE49-F238E27FC236}">
-                <a16:creationId xmlns:a16="http://schemas.microsoft.com/office/drawing/2014/main" id="{252707BB-B390-514F-F117-3F51A96C85CC}"/>
+                <a16:creationId xmlns:a16="http://schemas.microsoft.com/office/drawing/2014/main" id="{93F1F961-4539-ACB7-6CAB-37F1362A19EE}"/>
               </a:ext>
             </a:extLst>
           </p:cNvPr>
@@ -11560,56 +12142,60 @@
           <a:p>
             <a:r>
               <a:rPr lang="es-ES" dirty="0"/>
-              <a:t>7. EJEMPLOS</a:t>
-            </a:r>
-          </a:p>
-        </p:txBody>
-      </p:sp>
-      <p:pic>
-        <p:nvPicPr>
-          <p:cNvPr id="5" name="Imagen 4">
+              <a:t>3. TAREA ED5df0803</a:t>
+            </a:r>
+          </a:p>
+        </p:txBody>
+      </p:sp>
+      <p:sp>
+        <p:nvSpPr>
+          <p:cNvPr id="9" name="Marcador de texto 8">
             <a:extLst>
               <a:ext uri="{FF2B5EF4-FFF2-40B4-BE49-F238E27FC236}">
-                <a16:creationId xmlns:a16="http://schemas.microsoft.com/office/drawing/2014/main" id="{9D8F4161-0695-EBF9-716B-F8176C8FDC8C}"/>
+                <a16:creationId xmlns:a16="http://schemas.microsoft.com/office/drawing/2014/main" id="{9558548F-108C-0879-016E-2C6F9565BEF8}"/>
               </a:ext>
             </a:extLst>
           </p:cNvPr>
-          <p:cNvPicPr>
-            <a:picLocks noChangeAspect="1"/>
-          </p:cNvPicPr>
-          <p:nvPr/>
-        </p:nvPicPr>
-        <p:blipFill>
-          <a:blip r:embed="rId3"/>
-          <a:stretch>
-            <a:fillRect/>
-          </a:stretch>
-        </p:blipFill>
+          <p:cNvSpPr>
+            <a:spLocks noGrp="1"/>
+          </p:cNvSpPr>
+          <p:nvPr>
+            <p:ph type="body" sz="quarter" idx="14"/>
+          </p:nvPr>
+        </p:nvSpPr>
         <p:spPr>
           <a:xfrm>
-            <a:off x="6700495" y="398973"/>
-            <a:ext cx="2073727" cy="1098480"/>
+            <a:off x="101600" y="621792"/>
+            <a:ext cx="8707438" cy="1282929"/>
           </a:xfrm>
-          <a:prstGeom prst="rect">
-            <a:avLst/>
-          </a:prstGeom>
         </p:spPr>
-      </p:pic>
+        <p:txBody>
+          <a:bodyPr/>
+          <a:lstStyle/>
+          <a:p>
+            <a:r>
+              <a:rPr lang="es-ES" dirty="0"/>
+              <a:t>Enunciado en el repositorio</a:t>
+            </a:r>
+          </a:p>
+          <a:p>
+            <a:r>
+              <a:rPr lang="es-ES" dirty="0"/>
+              <a:t>Dibuja los diagramas UML correspondientes</a:t>
+            </a:r>
+          </a:p>
+        </p:txBody>
+      </p:sp>
     </p:spTree>
     <p:extLst>
       <p:ext uri="{BB962C8B-B14F-4D97-AF65-F5344CB8AC3E}">
-        <p14:creationId xmlns:p14="http://schemas.microsoft.com/office/powerpoint/2010/main" val="952270227"/>
+        <p14:creationId xmlns:p14="http://schemas.microsoft.com/office/powerpoint/2010/main" val="251016839"/>
       </p:ext>
     </p:extLst>
   </p:cSld>
   <p:clrMapOvr>
     <a:masterClrMapping/>
   </p:clrMapOvr>
-  <p:extLst>
-    <p:ext uri="{6950BFC3-D8DA-4A85-94F7-54DA5524770B}">
-      <p188:commentRel xmlns:p188="http://schemas.microsoft.com/office/powerpoint/2018/8/main" r:id="rId2"/>
-    </p:ext>
-  </p:extLst>
 </p:sld>
 </file>
 
@@ -11635,228 +12221,6 @@
           <p:cNvPr id="3" name="Marcador de número de diapositiva 2">
             <a:extLst>
               <a:ext uri="{FF2B5EF4-FFF2-40B4-BE49-F238E27FC236}">
-                <a16:creationId xmlns:a16="http://schemas.microsoft.com/office/drawing/2014/main" id="{8D4A1D50-4D94-0F37-ADAA-BA3D8AFF5623}"/>
-              </a:ext>
-            </a:extLst>
-          </p:cNvPr>
-          <p:cNvSpPr>
-            <a:spLocks noGrp="1"/>
-          </p:cNvSpPr>
-          <p:nvPr>
-            <p:ph type="sldNum" sz="quarter" idx="12"/>
-          </p:nvPr>
-        </p:nvSpPr>
-        <p:spPr/>
-        <p:txBody>
-          <a:bodyPr/>
-          <a:lstStyle/>
-          <a:p>
-            <a:fld id="{B6F15528-21DE-4FAA-801E-634DDDAF4B2B}" type="slidenum">
-              <a:rPr lang="es-ES" smtClean="0"/>
-              <a:t>23</a:t>
-            </a:fld>
-            <a:endParaRPr lang="es-ES"/>
-          </a:p>
-        </p:txBody>
-      </p:sp>
-      <p:sp>
-        <p:nvSpPr>
-          <p:cNvPr id="5" name="Marcador de texto 4">
-            <a:extLst>
-              <a:ext uri="{FF2B5EF4-FFF2-40B4-BE49-F238E27FC236}">
-                <a16:creationId xmlns:a16="http://schemas.microsoft.com/office/drawing/2014/main" id="{CBCA3482-7E6F-A341-829E-3952D9883CDB}"/>
-              </a:ext>
-            </a:extLst>
-          </p:cNvPr>
-          <p:cNvSpPr>
-            <a:spLocks noGrp="1"/>
-          </p:cNvSpPr>
-          <p:nvPr>
-            <p:ph type="body" sz="quarter" idx="14"/>
-          </p:nvPr>
-        </p:nvSpPr>
-        <p:spPr/>
-        <p:txBody>
-          <a:bodyPr/>
-          <a:lstStyle/>
-          <a:p>
-            <a:endParaRPr lang="es-ES"/>
-          </a:p>
-        </p:txBody>
-      </p:sp>
-      <p:sp>
-        <p:nvSpPr>
-          <p:cNvPr id="2" name="Título 1">
-            <a:extLst>
-              <a:ext uri="{FF2B5EF4-FFF2-40B4-BE49-F238E27FC236}">
-                <a16:creationId xmlns:a16="http://schemas.microsoft.com/office/drawing/2014/main" id="{252707BB-B390-514F-F117-3F51A96C85CC}"/>
-              </a:ext>
-            </a:extLst>
-          </p:cNvPr>
-          <p:cNvSpPr>
-            <a:spLocks noGrp="1"/>
-          </p:cNvSpPr>
-          <p:nvPr>
-            <p:ph type="title"/>
-          </p:nvPr>
-        </p:nvSpPr>
-        <p:spPr/>
-        <p:txBody>
-          <a:bodyPr>
-            <a:normAutofit/>
-          </a:bodyPr>
-          <a:lstStyle/>
-          <a:p>
-            <a:r>
-              <a:rPr lang="es-ES" dirty="0"/>
-              <a:t>7. EJEMPLOS…</a:t>
-            </a:r>
-          </a:p>
-        </p:txBody>
-      </p:sp>
-      <p:sp>
-        <p:nvSpPr>
-          <p:cNvPr id="4" name="CuadroTexto 3">
-            <a:extLst>
-              <a:ext uri="{FF2B5EF4-FFF2-40B4-BE49-F238E27FC236}">
-                <a16:creationId xmlns:a16="http://schemas.microsoft.com/office/drawing/2014/main" id="{A6D97DFB-1B6A-54D9-E495-B6918374167C}"/>
-              </a:ext>
-            </a:extLst>
-          </p:cNvPr>
-          <p:cNvSpPr txBox="1"/>
-          <p:nvPr/>
-        </p:nvSpPr>
-        <p:spPr>
-          <a:xfrm>
-            <a:off x="377788" y="1484784"/>
-            <a:ext cx="8388424" cy="369332"/>
-          </a:xfrm>
-          <a:prstGeom prst="rect">
-            <a:avLst/>
-          </a:prstGeom>
-          <a:noFill/>
-        </p:spPr>
-        <p:txBody>
-          <a:bodyPr wrap="square">
-            <a:spAutoFit/>
-          </a:bodyPr>
-          <a:lstStyle/>
-          <a:p>
-            <a:r>
-              <a:rPr lang="es-ES">
-                <a:solidFill>
-                  <a:srgbClr val="0070C0"/>
-                </a:solidFill>
-                <a:hlinkClick r:id="rId3">
-                  <a:extLst>
-                    <a:ext uri="{A12FA001-AC4F-418D-AE19-62706E023703}">
-                      <ahyp:hlinkClr xmlns:ahyp="http://schemas.microsoft.com/office/drawing/2018/hyperlinkcolor" val="tx"/>
-                    </a:ext>
-                  </a:extLst>
-                </a:hlinkClick>
-              </a:rPr>
-              <a:t>http://myfpschool.com/uml-diagrama-de-clases-la-smart-city-de-neo-tokyo/</a:t>
-            </a:r>
-            <a:r>
-              <a:rPr lang="es-ES">
-                <a:solidFill>
-                  <a:srgbClr val="0070C0"/>
-                </a:solidFill>
-              </a:rPr>
-              <a:t> </a:t>
-            </a:r>
-          </a:p>
-        </p:txBody>
-      </p:sp>
-      <p:sp>
-        <p:nvSpPr>
-          <p:cNvPr id="6" name="CuadroTexto 5">
-            <a:extLst>
-              <a:ext uri="{FF2B5EF4-FFF2-40B4-BE49-F238E27FC236}">
-                <a16:creationId xmlns:a16="http://schemas.microsoft.com/office/drawing/2014/main" id="{A904EBA3-023E-00A8-B036-1B0B97CCF592}"/>
-              </a:ext>
-            </a:extLst>
-          </p:cNvPr>
-          <p:cNvSpPr txBox="1"/>
-          <p:nvPr/>
-        </p:nvSpPr>
-        <p:spPr>
-          <a:xfrm>
-            <a:off x="377788" y="2204864"/>
-            <a:ext cx="8388424" cy="646331"/>
-          </a:xfrm>
-          <a:prstGeom prst="rect">
-            <a:avLst/>
-          </a:prstGeom>
-          <a:noFill/>
-        </p:spPr>
-        <p:txBody>
-          <a:bodyPr wrap="square">
-            <a:spAutoFit/>
-          </a:bodyPr>
-          <a:lstStyle/>
-          <a:p>
-            <a:r>
-              <a:rPr lang="es-ES">
-                <a:solidFill>
-                  <a:srgbClr val="0070C0"/>
-                </a:solidFill>
-                <a:hlinkClick r:id="rId4">
-                  <a:extLst>
-                    <a:ext uri="{A12FA001-AC4F-418D-AE19-62706E023703}">
-                      <ahyp:hlinkClr xmlns:ahyp="http://schemas.microsoft.com/office/drawing/2018/hyperlinkcolor" val="tx"/>
-                    </a:ext>
-                  </a:extLst>
-                </a:hlinkClick>
-              </a:rPr>
-              <a:t>https://joanpaon.wordpress.com/2013/07/01/uml-diagrama-de-clases-ejercicio-1/</a:t>
-            </a:r>
-            <a:r>
-              <a:rPr lang="es-ES">
-                <a:solidFill>
-                  <a:srgbClr val="0070C0"/>
-                </a:solidFill>
-              </a:rPr>
-              <a:t> </a:t>
-            </a:r>
-          </a:p>
-        </p:txBody>
-      </p:sp>
-    </p:spTree>
-    <p:extLst>
-      <p:ext uri="{BB962C8B-B14F-4D97-AF65-F5344CB8AC3E}">
-        <p14:creationId xmlns:p14="http://schemas.microsoft.com/office/powerpoint/2010/main" val="520146235"/>
-      </p:ext>
-    </p:extLst>
-  </p:cSld>
-  <p:clrMapOvr>
-    <a:masterClrMapping/>
-  </p:clrMapOvr>
-</p:sld>
-</file>
-
-<file path=ppt/slides/slide24.xml><?xml version="1.0" encoding="utf-8"?>
-<p:sld xmlns:a="http://schemas.openxmlformats.org/drawingml/2006/main" xmlns:r="http://schemas.openxmlformats.org/officeDocument/2006/relationships" xmlns:p="http://schemas.openxmlformats.org/presentationml/2006/main">
-  <p:cSld>
-    <p:spTree>
-      <p:nvGrpSpPr>
-        <p:cNvPr id="1" name=""/>
-        <p:cNvGrpSpPr/>
-        <p:nvPr/>
-      </p:nvGrpSpPr>
-      <p:grpSpPr>
-        <a:xfrm>
-          <a:off x="0" y="0"/>
-          <a:ext cx="0" cy="0"/>
-          <a:chOff x="0" y="0"/>
-          <a:chExt cx="0" cy="0"/>
-        </a:xfrm>
-      </p:grpSpPr>
-      <p:sp>
-        <p:nvSpPr>
-          <p:cNvPr id="3" name="Marcador de número de diapositiva 2">
-            <a:extLst>
-              <a:ext uri="{FF2B5EF4-FFF2-40B4-BE49-F238E27FC236}">
                 <a16:creationId xmlns:a16="http://schemas.microsoft.com/office/drawing/2014/main" id="{3E4A2818-1554-2DB6-5B55-121407B5EAF1}"/>
               </a:ext>
             </a:extLst>
@@ -11875,7 +12239,7 @@
           <a:p>
             <a:fld id="{80F073CC-40D5-4B23-8DF0-9BD0A0C12F2C}" type="slidenum">
               <a:rPr lang="en-US" smtClean="0"/>
-              <a:t>24</a:t>
+              <a:t>23</a:t>
             </a:fld>
             <a:endParaRPr lang="en-US"/>
           </a:p>
@@ -12323,13 +12687,13 @@
           <p:nvPr/>
         </p:nvPicPr>
         <p:blipFill>
-          <a:blip r:embed="rId2" cstate="print">
+          <a:blip r:embed="rId3" cstate="print">
             <a:extLst>
               <a:ext uri="{28A0092B-C50C-407E-A947-70E740481C1C}">
                 <a14:useLocalDpi xmlns:a14="http://schemas.microsoft.com/office/drawing/2010/main" val="0"/>
               </a:ext>
               <a:ext uri="{837473B0-CC2E-450A-ABE3-18F120FF3D39}">
-                <a1611:picAttrSrcUrl xmlns:a1611="http://schemas.microsoft.com/office/drawing/2016/11/main" r:id="rId3"/>
+                <a1611:picAttrSrcUrl xmlns:a1611="http://schemas.microsoft.com/office/drawing/2016/11/main" r:id="rId4"/>
               </a:ext>
             </a:extLst>
           </a:blip>
@@ -12339,7 +12703,7 @@
         </p:blipFill>
         <p:spPr>
           <a:xfrm>
-            <a:off x="997357" y="4941168"/>
+            <a:off x="892007" y="4567959"/>
             <a:ext cx="3177618" cy="1668249"/>
           </a:xfrm>
           <a:prstGeom prst="rect">
@@ -12362,13 +12726,13 @@
           <p:nvPr/>
         </p:nvPicPr>
         <p:blipFill>
-          <a:blip r:embed="rId4" cstate="print">
+          <a:blip r:embed="rId5" cstate="print">
             <a:extLst>
               <a:ext uri="{28A0092B-C50C-407E-A947-70E740481C1C}">
                 <a14:useLocalDpi xmlns:a14="http://schemas.microsoft.com/office/drawing/2010/main" val="0"/>
               </a:ext>
               <a:ext uri="{837473B0-CC2E-450A-ABE3-18F120FF3D39}">
-                <a1611:picAttrSrcUrl xmlns:a1611="http://schemas.microsoft.com/office/drawing/2016/11/main" r:id="rId5"/>
+                <a1611:picAttrSrcUrl xmlns:a1611="http://schemas.microsoft.com/office/drawing/2016/11/main" r:id="rId6"/>
               </a:ext>
             </a:extLst>
           </a:blip>
@@ -12378,7 +12742,7 @@
         </p:blipFill>
         <p:spPr>
           <a:xfrm>
-            <a:off x="4860032" y="3918757"/>
+            <a:off x="3770774" y="3872442"/>
             <a:ext cx="3799862" cy="2935394"/>
           </a:xfrm>
           <a:prstGeom prst="rect">
@@ -12476,7 +12840,7 @@
               <a:buNone/>
             </a:pPr>
             <a:r>
-              <a:rPr lang="es-ES"/>
+              <a:rPr lang="es-ES" dirty="0"/>
               <a:t>Razones para modelar:</a:t>
             </a:r>
           </a:p>
@@ -12485,7 +12849,7 @@
               <a:buNone/>
             </a:pPr>
             <a:r>
-              <a:rPr lang="es-ES"/>
+              <a:rPr lang="es-ES" dirty="0"/>
               <a:t>1. Clarificación de Requisitos</a:t>
             </a:r>
           </a:p>
@@ -12494,7 +12858,7 @@
               <a:buNone/>
             </a:pPr>
             <a:r>
-              <a:rPr lang="es-ES"/>
+              <a:rPr lang="es-ES" dirty="0"/>
               <a:t>2. Visualización del Diseño</a:t>
             </a:r>
           </a:p>
@@ -12503,7 +12867,7 @@
               <a:buNone/>
             </a:pPr>
             <a:r>
-              <a:rPr lang="es-ES"/>
+              <a:rPr lang="es-ES" dirty="0"/>
               <a:t>3. Identificación de Problemas de Diseño</a:t>
             </a:r>
           </a:p>
@@ -12512,7 +12876,7 @@
               <a:buNone/>
             </a:pPr>
             <a:r>
-              <a:rPr lang="es-ES"/>
+              <a:rPr lang="es-ES" dirty="0"/>
               <a:t>4. Facilita la Toma de Decisiones</a:t>
             </a:r>
           </a:p>
@@ -12521,7 +12885,7 @@
               <a:buNone/>
             </a:pPr>
             <a:r>
-              <a:rPr lang="es-ES"/>
+              <a:rPr lang="es-ES" dirty="0"/>
               <a:t>5. Alineación con Objetivos del Negocio</a:t>
             </a:r>
           </a:p>
@@ -12530,7 +12894,7 @@
               <a:buNone/>
             </a:pPr>
             <a:r>
-              <a:rPr lang="es-ES"/>
+              <a:rPr lang="es-ES" dirty="0"/>
               <a:t>6. Ahorro de Recursos</a:t>
             </a:r>
           </a:p>
@@ -12539,7 +12903,7 @@
               <a:buNone/>
             </a:pPr>
             <a:r>
-              <a:rPr lang="es-ES"/>
+              <a:rPr lang="es-ES" dirty="0"/>
               <a:t>7. Documentación Efectiva</a:t>
             </a:r>
           </a:p>
@@ -12548,7 +12912,7 @@
               <a:buNone/>
             </a:pPr>
             <a:r>
-              <a:rPr lang="es-ES"/>
+              <a:rPr lang="es-ES" dirty="0"/>
               <a:t>8. Mejora la Colaboración</a:t>
             </a:r>
           </a:p>
@@ -12617,7 +12981,7 @@
         </p:blipFill>
         <p:spPr>
           <a:xfrm>
-            <a:off x="997357" y="4941168"/>
+            <a:off x="957480" y="4525625"/>
             <a:ext cx="3177618" cy="1668249"/>
           </a:xfrm>
           <a:prstGeom prst="rect">
@@ -12656,7 +13020,7 @@
         </p:blipFill>
         <p:spPr>
           <a:xfrm>
-            <a:off x="5220072" y="1443875"/>
+            <a:off x="3764037" y="3793567"/>
             <a:ext cx="3799862" cy="2935394"/>
           </a:xfrm>
           <a:prstGeom prst="rect">
@@ -12795,14 +13159,22 @@
           <a:p>
             <a:pPr lvl="1"/>
             <a:r>
-              <a:rPr lang="es-ES" dirty="0"/>
+              <a:rPr lang="es-ES" dirty="0">
+                <a:solidFill>
+                  <a:schemeClr val="tx1"/>
+                </a:solidFill>
+              </a:rPr>
               <a:t>De Casos De Uso</a:t>
             </a:r>
           </a:p>
           <a:p>
             <a:pPr lvl="1"/>
             <a:r>
-              <a:rPr lang="es-ES" dirty="0"/>
+              <a:rPr lang="es-ES" dirty="0">
+                <a:solidFill>
+                  <a:schemeClr val="tx1"/>
+                </a:solidFill>
+              </a:rPr>
               <a:t>De Secuencia</a:t>
             </a:r>
           </a:p>
@@ -12843,6 +13215,66 @@
               <a:t> documentos y diagramas</a:t>
             </a:r>
             <a:endParaRPr lang="es-ES" dirty="0"/>
+          </a:p>
+        </p:txBody>
+      </p:sp>
+      <p:sp>
+        <p:nvSpPr>
+          <p:cNvPr id="5" name="Rectángulo 4">
+            <a:extLst>
+              <a:ext uri="{FF2B5EF4-FFF2-40B4-BE49-F238E27FC236}">
+                <a16:creationId xmlns:a16="http://schemas.microsoft.com/office/drawing/2014/main" id="{66530EB5-9F4B-2769-FD30-EB82D7599CB6}"/>
+              </a:ext>
+            </a:extLst>
+          </p:cNvPr>
+          <p:cNvSpPr/>
+          <p:nvPr/>
+        </p:nvSpPr>
+        <p:spPr>
+          <a:xfrm>
+            <a:off x="1048256" y="4210919"/>
+            <a:ext cx="5838458" cy="923330"/>
+          </a:xfrm>
+          <a:prstGeom prst="rect">
+            <a:avLst/>
+          </a:prstGeom>
+          <a:noFill/>
+        </p:spPr>
+        <p:txBody>
+          <a:bodyPr wrap="none" lIns="91440" tIns="45720" rIns="91440" bIns="45720">
+            <a:spAutoFit/>
+          </a:bodyPr>
+          <a:lstStyle/>
+          <a:p>
+            <a:pPr algn="ctr"/>
+            <a:r>
+              <a:rPr lang="es-ES" sz="5400" b="0" cap="none" spc="0" dirty="0">
+                <a:ln w="0"/>
+                <a:gradFill>
+                  <a:gsLst>
+                    <a:gs pos="0">
+                      <a:schemeClr val="accent5">
+                        <a:lumMod val="50000"/>
+                      </a:schemeClr>
+                    </a:gs>
+                    <a:gs pos="50000">
+                      <a:schemeClr val="accent5"/>
+                    </a:gs>
+                    <a:gs pos="100000">
+                      <a:schemeClr val="accent5">
+                        <a:lumMod val="60000"/>
+                        <a:lumOff val="40000"/>
+                      </a:schemeClr>
+                    </a:gs>
+                  </a:gsLst>
+                  <a:lin ang="5400000"/>
+                </a:gradFill>
+                <a:effectLst>
+                  <a:reflection blurRad="6350" stA="53000" endA="300" endPos="35500" dir="5400000" sy="-90000" algn="bl" rotWithShape="0"/>
+                </a:effectLst>
+              </a:rPr>
+              <a:t>¿qué pinta tienen?</a:t>
+            </a:r>
           </a:p>
         </p:txBody>
       </p:sp>
@@ -12932,16 +13364,7 @@
           <a:bodyPr/>
           <a:lstStyle/>
           <a:p>
-            <a:r>
-              <a:rPr lang="es-ES">
-                <a:hlinkClick r:id="rId2"/>
-              </a:rPr>
-              <a:t>https://www.aprendeaprogramar.com/mod/resource/view.php?id=406</a:t>
-            </a:r>
-            <a:r>
-              <a:rPr lang="es-ES"/>
-              <a:t> </a:t>
-            </a:r>
+            <a:endParaRPr lang="es-ES" dirty="0"/>
           </a:p>
         </p:txBody>
       </p:sp>
@@ -12988,7 +13411,7 @@
           <p:nvPr/>
         </p:nvPicPr>
         <p:blipFill>
-          <a:blip r:embed="rId3">
+          <a:blip r:embed="rId2">
             <a:extLst>
               <a:ext uri="{28A0092B-C50C-407E-A947-70E740481C1C}">
                 <a14:useLocalDpi xmlns:a14="http://schemas.microsoft.com/office/drawing/2010/main" val="0"/>
@@ -13002,7 +13425,7 @@
         </p:blipFill>
         <p:spPr bwMode="auto">
           <a:xfrm>
-            <a:off x="1187623" y="1412776"/>
+            <a:off x="334962" y="1267873"/>
             <a:ext cx="6872662" cy="4680520"/>
           </a:xfrm>
           <a:prstGeom prst="rect">
@@ -13106,16 +13529,7 @@
           <a:bodyPr/>
           <a:lstStyle/>
           <a:p>
-            <a:r>
-              <a:rPr lang="es-ES">
-                <a:hlinkClick r:id="rId2"/>
-              </a:rPr>
-              <a:t>https://adnclases.blogspot.com/2011/03/ejemplo-de-diagrama-de-clases-y.html</a:t>
-            </a:r>
-            <a:r>
-              <a:rPr lang="es-ES"/>
-              <a:t> </a:t>
-            </a:r>
+            <a:endParaRPr lang="es-ES" dirty="0"/>
           </a:p>
         </p:txBody>
       </p:sp>
@@ -13149,49 +13563,32 @@
       </p:sp>
       <p:pic>
         <p:nvPicPr>
-          <p:cNvPr id="4098" name="Picture 2">
+          <p:cNvPr id="6" name="Imagen 5">
             <a:extLst>
               <a:ext uri="{FF2B5EF4-FFF2-40B4-BE49-F238E27FC236}">
-                <a16:creationId xmlns:a16="http://schemas.microsoft.com/office/drawing/2014/main" id="{1C3AC2C8-FE98-F785-BAF8-5F99083EB9DC}"/>
+                <a16:creationId xmlns:a16="http://schemas.microsoft.com/office/drawing/2014/main" id="{BC48168D-19D3-0167-110A-D2C84DC4ECA0}"/>
               </a:ext>
             </a:extLst>
           </p:cNvPr>
           <p:cNvPicPr>
-            <a:picLocks noChangeAspect="1" noChangeArrowheads="1"/>
+            <a:picLocks noChangeAspect="1"/>
           </p:cNvPicPr>
           <p:nvPr/>
         </p:nvPicPr>
         <p:blipFill>
-          <a:blip r:embed="rId3">
-            <a:extLst>
-              <a:ext uri="{28A0092B-C50C-407E-A947-70E740481C1C}">
-                <a14:useLocalDpi xmlns:a14="http://schemas.microsoft.com/office/drawing/2010/main" val="0"/>
-              </a:ext>
-            </a:extLst>
-          </a:blip>
-          <a:srcRect/>
+          <a:blip r:embed="rId2"/>
           <a:stretch>
             <a:fillRect/>
           </a:stretch>
         </p:blipFill>
-        <p:spPr bwMode="auto">
+        <p:spPr>
           <a:xfrm>
-            <a:off x="971600" y="1340768"/>
-            <a:ext cx="6430175" cy="4799516"/>
+            <a:off x="852270" y="1003772"/>
+            <a:ext cx="7444130" cy="5153001"/>
           </a:xfrm>
           <a:prstGeom prst="rect">
             <a:avLst/>
           </a:prstGeom>
-          <a:noFill/>
-          <a:extLst>
-            <a:ext uri="{909E8E84-426E-40DD-AFC4-6F175D3DCCD1}">
-              <a14:hiddenFill xmlns:a14="http://schemas.microsoft.com/office/drawing/2010/main">
-                <a:solidFill>
-                  <a:srgbClr val="FFFFFF"/>
-                </a:solidFill>
-              </a14:hiddenFill>
-            </a:ext>
-          </a:extLst>
         </p:spPr>
       </p:pic>
     </p:spTree>
@@ -13274,16 +13671,7 @@
           <a:bodyPr/>
           <a:lstStyle/>
           <a:p>
-            <a:r>
-              <a:rPr lang="es-ES">
-                <a:hlinkClick r:id="rId2"/>
-              </a:rPr>
-              <a:t>https://www.lucidchart.com/pages/es/tutorial-de-diagrama-de-clases-uml</a:t>
-            </a:r>
-            <a:r>
-              <a:rPr lang="es-ES"/>
-              <a:t> </a:t>
-            </a:r>
+            <a:endParaRPr lang="es-ES" dirty="0"/>
           </a:p>
         </p:txBody>
       </p:sp>
@@ -13317,10 +13705,10 @@
       </p:sp>
       <p:pic>
         <p:nvPicPr>
-          <p:cNvPr id="5" name="Imagen 4">
+          <p:cNvPr id="9" name="Imagen 8" descr="Una captura de pantalla de un celular con texto e imágenes&#10;&#10;El contenido generado por IA puede ser incorrecto.">
             <a:extLst>
               <a:ext uri="{FF2B5EF4-FFF2-40B4-BE49-F238E27FC236}">
-                <a16:creationId xmlns:a16="http://schemas.microsoft.com/office/drawing/2014/main" id="{92ECFCBB-E4F7-5DA9-A347-8F48546DC6EB}"/>
+                <a16:creationId xmlns:a16="http://schemas.microsoft.com/office/drawing/2014/main" id="{78F524DD-91CD-B3B0-18CA-7DD1CE38762C}"/>
               </a:ext>
             </a:extLst>
           </p:cNvPr>
@@ -13330,15 +13718,22 @@
           <p:nvPr/>
         </p:nvPicPr>
         <p:blipFill>
-          <a:blip r:embed="rId3"/>
+          <a:blip r:embed="rId2">
+            <a:extLst>
+              <a:ext uri="{28A0092B-C50C-407E-A947-70E740481C1C}">
+                <a14:useLocalDpi xmlns:a14="http://schemas.microsoft.com/office/drawing/2010/main" val="0"/>
+              </a:ext>
+            </a:extLst>
+          </a:blip>
+          <a:srcRect t="20492" b="20877"/>
           <a:stretch>
             <a:fillRect/>
           </a:stretch>
         </p:blipFill>
         <p:spPr>
           <a:xfrm>
-            <a:off x="995408" y="1268760"/>
-            <a:ext cx="6240888" cy="5396574"/>
+            <a:off x="1198437" y="749508"/>
+            <a:ext cx="6148391" cy="5407265"/>
           </a:xfrm>
           <a:prstGeom prst="rect">
             <a:avLst/>
